--- a/3a.1.PlasticsAndCompositesEngineering/5_ClassActivity/5_SummerCase1/CRPP.pptx
+++ b/3a.1.PlasticsAndCompositesEngineering/5_ClassActivity/5_SummerCase1/CRPP.pptx
@@ -5,12 +5,14 @@
     <p:sldMasterId id="2147483648" r:id="rId1"/>
   </p:sldMasterIdLst>
   <p:notesMasterIdLst>
-    <p:notesMasterId r:id="rId5"/>
+    <p:notesMasterId r:id="rId7"/>
   </p:notesMasterIdLst>
   <p:sldIdLst>
     <p:sldId id="256" r:id="rId2"/>
     <p:sldId id="260" r:id="rId3"/>
-    <p:sldId id="282" r:id="rId4"/>
+    <p:sldId id="283" r:id="rId4"/>
+    <p:sldId id="282" r:id="rId5"/>
+    <p:sldId id="284" r:id="rId6"/>
   </p:sldIdLst>
   <p:sldSz cx="12192000" cy="6858000"/>
   <p:notesSz cx="6858000" cy="9144000"/>
@@ -123,7 +125,9 @@
         <p14:section name="Presentation Body" id="{032748CF-34D4-4F00-AA86-51FC83977DA0}">
           <p14:sldIdLst>
             <p14:sldId id="260"/>
+            <p14:sldId id="283"/>
             <p14:sldId id="282"/>
+            <p14:sldId id="284"/>
           </p14:sldIdLst>
         </p14:section>
         <p14:section name="Closing Slides" id="{E80DB28E-CAD9-4B95-9FE2-9292BCFE48B7}">
@@ -161,19 +165,289 @@
       </p:ext>
     </p:extLst>
   </p:cmAuthor>
+  <p:cmAuthor id="2" name="Guest User" initials="GU" lastIdx="6" clrIdx="1">
+    <p:extLst>
+      <p:ext uri="{19B8F6BF-5375-455C-9EA6-DF929625EA0E}">
+        <p15:presenceInfo xmlns:p15="http://schemas.microsoft.com/office/powerpoint/2012/main" userId="S::urn:spo:anon#2def14219f25c4668fa52ed000034fee284890de164423a4aa9c4b674c235c5c::" providerId="AD"/>
+      </p:ext>
+    </p:extLst>
+  </p:cmAuthor>
 </p:cmAuthorLst>
 </file>
 
 <file path=ppt/revisionInfo.xml><?xml version="1.0" encoding="utf-8"?>
 <p1510:revInfo xmlns:a="http://schemas.openxmlformats.org/drawingml/2006/main" xmlns:r="http://schemas.openxmlformats.org/officeDocument/2006/relationships" xmlns:p1510="http://schemas.microsoft.com/office/powerpoint/2015/10/main">
   <p1510:revLst>
-    <p1510:client id="{F57EC7D9-BC06-4F14-AB31-5FA9C495C528}" v="20" dt="2020-07-17T22:11:14.114"/>
+    <p1510:client id="{1FDFF5D1-764D-DFFF-037E-6C7EB7A8959A}" v="177" dt="2020-07-17T23:58:15.866"/>
+    <p1510:client id="{62635117-5A45-A4F1-4EA4-61C85AAC4230}" v="122" dt="2020-07-17T22:53:08.219"/>
+    <p1510:client id="{7ED640B9-A8B8-4E84-8E53-CD823F9E7430}" v="214" dt="2020-07-17T22:53:39.457"/>
+    <p1510:client id="{F57EC7D9-BC06-4F14-AB31-5FA9C495C528}" v="510" dt="2020-07-18T00:05:48.961"/>
   </p1510:revLst>
 </p1510:revInfo>
 </file>
 
 <file path=ppt/changesInfos/changesInfo1.xml><?xml version="1.0" encoding="utf-8"?>
 <pc:chgInfo xmlns:a="http://schemas.openxmlformats.org/drawingml/2006/main" xmlns:r="http://schemas.openxmlformats.org/officeDocument/2006/relationships" xmlns:ac="http://schemas.microsoft.com/office/drawing/2013/main/command" xmlns:pc="http://schemas.microsoft.com/office/powerpoint/2013/main/command">
+  <pc:docChgLst>
+    <pc:chgData name="Antonio Osamu Katagiri Tanaka" userId="2c28225e-d492-4964-8551-1b0a3c65dda0" providerId="ADAL" clId="{329B512D-3474-403B-B217-DE713D6D5C19}"/>
+    <pc:docChg chg="undo custSel addSld delSld modSld sldOrd modSection">
+      <pc:chgData name="Antonio Osamu Katagiri Tanaka" userId="2c28225e-d492-4964-8551-1b0a3c65dda0" providerId="ADAL" clId="{329B512D-3474-403B-B217-DE713D6D5C19}" dt="2019-04-04T15:50:31.505" v="1986" actId="20577"/>
+      <pc:docMkLst>
+        <pc:docMk/>
+      </pc:docMkLst>
+      <pc:sldChg chg="addSp">
+        <pc:chgData name="Antonio Osamu Katagiri Tanaka" userId="2c28225e-d492-4964-8551-1b0a3c65dda0" providerId="ADAL" clId="{329B512D-3474-403B-B217-DE713D6D5C19}" dt="2019-03-31T15:07:38.520" v="0" actId="9405"/>
+        <pc:sldMkLst>
+          <pc:docMk/>
+          <pc:sldMk cId="3401248549" sldId="256"/>
+        </pc:sldMkLst>
+        <pc:inkChg chg="add">
+          <ac:chgData name="Antonio Osamu Katagiri Tanaka" userId="2c28225e-d492-4964-8551-1b0a3c65dda0" providerId="ADAL" clId="{329B512D-3474-403B-B217-DE713D6D5C19}" dt="2019-03-31T15:07:38.520" v="0" actId="9405"/>
+          <ac:inkMkLst>
+            <pc:docMk/>
+            <pc:sldMk cId="3401248549" sldId="256"/>
+            <ac:inkMk id="2" creationId="{E00210A8-2E97-46D2-AE68-867D9198F33C}"/>
+          </ac:inkMkLst>
+        </pc:inkChg>
+      </pc:sldChg>
+      <pc:sldChg chg="modSp">
+        <pc:chgData name="Antonio Osamu Katagiri Tanaka" userId="2c28225e-d492-4964-8551-1b0a3c65dda0" providerId="ADAL" clId="{329B512D-3474-403B-B217-DE713D6D5C19}" dt="2019-04-04T15:50:31.505" v="1986" actId="20577"/>
+        <pc:sldMkLst>
+          <pc:docMk/>
+          <pc:sldMk cId="1105756717" sldId="257"/>
+        </pc:sldMkLst>
+        <pc:spChg chg="mod">
+          <ac:chgData name="Antonio Osamu Katagiri Tanaka" userId="2c28225e-d492-4964-8551-1b0a3c65dda0" providerId="ADAL" clId="{329B512D-3474-403B-B217-DE713D6D5C19}" dt="2019-04-04T15:50:31.505" v="1986" actId="20577"/>
+          <ac:spMkLst>
+            <pc:docMk/>
+            <pc:sldMk cId="1105756717" sldId="257"/>
+            <ac:spMk id="3" creationId="{6E971A9A-8031-4781-96A0-B9A5656935B5}"/>
+          </ac:spMkLst>
+        </pc:spChg>
+      </pc:sldChg>
+      <pc:sldChg chg="addSp delSp modSp">
+        <pc:chgData name="Antonio Osamu Katagiri Tanaka" userId="2c28225e-d492-4964-8551-1b0a3c65dda0" providerId="ADAL" clId="{329B512D-3474-403B-B217-DE713D6D5C19}" dt="2019-04-04T14:27:37.615" v="1984" actId="115"/>
+        <pc:sldMkLst>
+          <pc:docMk/>
+          <pc:sldMk cId="3604131991" sldId="263"/>
+        </pc:sldMkLst>
+        <pc:spChg chg="mod">
+          <ac:chgData name="Antonio Osamu Katagiri Tanaka" userId="2c28225e-d492-4964-8551-1b0a3c65dda0" providerId="ADAL" clId="{329B512D-3474-403B-B217-DE713D6D5C19}" dt="2019-04-04T14:27:37.615" v="1984" actId="115"/>
+          <ac:spMkLst>
+            <pc:docMk/>
+            <pc:sldMk cId="3604131991" sldId="263"/>
+            <ac:spMk id="6" creationId="{058630E6-31AF-4451-B084-C9809D0DA4E8}"/>
+          </ac:spMkLst>
+        </pc:spChg>
+        <pc:inkChg chg="add del">
+          <ac:chgData name="Antonio Osamu Katagiri Tanaka" userId="2c28225e-d492-4964-8551-1b0a3c65dda0" providerId="ADAL" clId="{329B512D-3474-403B-B217-DE713D6D5C19}" dt="2019-04-04T14:27:28.979" v="1982" actId="9405"/>
+          <ac:inkMkLst>
+            <pc:docMk/>
+            <pc:sldMk cId="3604131991" sldId="263"/>
+            <ac:inkMk id="2" creationId="{969D952D-714C-43B0-A513-C6B4AE47428D}"/>
+          </ac:inkMkLst>
+        </pc:inkChg>
+        <pc:inkChg chg="add del">
+          <ac:chgData name="Antonio Osamu Katagiri Tanaka" userId="2c28225e-d492-4964-8551-1b0a3c65dda0" providerId="ADAL" clId="{329B512D-3474-403B-B217-DE713D6D5C19}" dt="2019-04-04T14:27:28.045" v="1981" actId="9405"/>
+          <ac:inkMkLst>
+            <pc:docMk/>
+            <pc:sldMk cId="3604131991" sldId="263"/>
+            <ac:inkMk id="3" creationId="{FE05DE7C-4281-4120-83A0-C423CBD124A8}"/>
+          </ac:inkMkLst>
+        </pc:inkChg>
+        <pc:inkChg chg="add del">
+          <ac:chgData name="Antonio Osamu Katagiri Tanaka" userId="2c28225e-d492-4964-8551-1b0a3c65dda0" providerId="ADAL" clId="{329B512D-3474-403B-B217-DE713D6D5C19}" dt="2019-04-04T14:27:27.649" v="1980" actId="9405"/>
+          <ac:inkMkLst>
+            <pc:docMk/>
+            <pc:sldMk cId="3604131991" sldId="263"/>
+            <ac:inkMk id="5" creationId="{BB6A19F7-AA98-477A-A47F-B32552340760}"/>
+          </ac:inkMkLst>
+        </pc:inkChg>
+      </pc:sldChg>
+      <pc:sldChg chg="addSp delSp modSp add modNotesTx">
+        <pc:chgData name="Antonio Osamu Katagiri Tanaka" userId="2c28225e-d492-4964-8551-1b0a3c65dda0" providerId="ADAL" clId="{329B512D-3474-403B-B217-DE713D6D5C19}" dt="2019-04-04T13:21:57.223" v="1920" actId="20577"/>
+        <pc:sldMkLst>
+          <pc:docMk/>
+          <pc:sldMk cId="708711930" sldId="276"/>
+        </pc:sldMkLst>
+        <pc:spChg chg="mod">
+          <ac:chgData name="Antonio Osamu Katagiri Tanaka" userId="2c28225e-d492-4964-8551-1b0a3c65dda0" providerId="ADAL" clId="{329B512D-3474-403B-B217-DE713D6D5C19}" dt="2019-04-04T04:34:54.745" v="1145" actId="20577"/>
+          <ac:spMkLst>
+            <pc:docMk/>
+            <pc:sldMk cId="708711930" sldId="276"/>
+            <ac:spMk id="4" creationId="{F9ED8BE6-F7AC-4FD8-8FA8-8C683A7C2F62}"/>
+          </ac:spMkLst>
+        </pc:spChg>
+        <pc:spChg chg="add mod">
+          <ac:chgData name="Antonio Osamu Katagiri Tanaka" userId="2c28225e-d492-4964-8551-1b0a3c65dda0" providerId="ADAL" clId="{329B512D-3474-403B-B217-DE713D6D5C19}" dt="2019-04-04T13:21:57.223" v="1920" actId="20577"/>
+          <ac:spMkLst>
+            <pc:docMk/>
+            <pc:sldMk cId="708711930" sldId="276"/>
+            <ac:spMk id="7" creationId="{43F915F1-9C90-4B6E-AA0B-C9F4FCF704FA}"/>
+          </ac:spMkLst>
+        </pc:spChg>
+        <pc:picChg chg="add del mod">
+          <ac:chgData name="Antonio Osamu Katagiri Tanaka" userId="2c28225e-d492-4964-8551-1b0a3c65dda0" providerId="ADAL" clId="{329B512D-3474-403B-B217-DE713D6D5C19}" dt="2019-04-04T05:13:15.197" v="1321" actId="478"/>
+          <ac:picMkLst>
+            <pc:docMk/>
+            <pc:sldMk cId="708711930" sldId="276"/>
+            <ac:picMk id="5" creationId="{A98AA8FA-E2A8-490A-BE93-C2DB37F95CB5}"/>
+          </ac:picMkLst>
+        </pc:picChg>
+      </pc:sldChg>
+      <pc:sldChg chg="addSp delSp add">
+        <pc:chgData name="Antonio Osamu Katagiri Tanaka" userId="2c28225e-d492-4964-8551-1b0a3c65dda0" providerId="ADAL" clId="{329B512D-3474-403B-B217-DE713D6D5C19}" dt="2019-04-04T14:17:54.544" v="1976" actId="9405"/>
+        <pc:sldMkLst>
+          <pc:docMk/>
+          <pc:sldMk cId="2232161063" sldId="281"/>
+        </pc:sldMkLst>
+        <pc:spChg chg="del">
+          <ac:chgData name="Antonio Osamu Katagiri Tanaka" userId="2c28225e-d492-4964-8551-1b0a3c65dda0" providerId="ADAL" clId="{329B512D-3474-403B-B217-DE713D6D5C19}" dt="2019-04-04T14:16:15.620" v="1950" actId="478"/>
+          <ac:spMkLst>
+            <pc:docMk/>
+            <pc:sldMk cId="2232161063" sldId="281"/>
+            <ac:spMk id="2" creationId="{4C4F355D-C485-4947-B93D-D35B7AA9E70B}"/>
+          </ac:spMkLst>
+        </pc:spChg>
+        <pc:spChg chg="del">
+          <ac:chgData name="Antonio Osamu Katagiri Tanaka" userId="2c28225e-d492-4964-8551-1b0a3c65dda0" providerId="ADAL" clId="{329B512D-3474-403B-B217-DE713D6D5C19}" dt="2019-04-04T14:16:15.620" v="1950" actId="478"/>
+          <ac:spMkLst>
+            <pc:docMk/>
+            <pc:sldMk cId="2232161063" sldId="281"/>
+            <ac:spMk id="3" creationId="{CEFF394F-286F-4E9E-91A4-CDDC3F9A8031}"/>
+          </ac:spMkLst>
+        </pc:spChg>
+        <pc:inkChg chg="add del">
+          <ac:chgData name="Antonio Osamu Katagiri Tanaka" userId="2c28225e-d492-4964-8551-1b0a3c65dda0" providerId="ADAL" clId="{329B512D-3474-403B-B217-DE713D6D5C19}" dt="2019-04-04T14:16:38.510" v="1954" actId="9405"/>
+          <ac:inkMkLst>
+            <pc:docMk/>
+            <pc:sldMk cId="2232161063" sldId="281"/>
+            <ac:inkMk id="4" creationId="{F48662FE-D5D2-4B7F-8DA7-0CF64BB16546}"/>
+          </ac:inkMkLst>
+        </pc:inkChg>
+        <pc:inkChg chg="add del">
+          <ac:chgData name="Antonio Osamu Katagiri Tanaka" userId="2c28225e-d492-4964-8551-1b0a3c65dda0" providerId="ADAL" clId="{329B512D-3474-403B-B217-DE713D6D5C19}" dt="2019-04-04T14:16:38.154" v="1953" actId="9405"/>
+          <ac:inkMkLst>
+            <pc:docMk/>
+            <pc:sldMk cId="2232161063" sldId="281"/>
+            <ac:inkMk id="5" creationId="{4ABF39D1-C7B9-4BA2-B542-4048A038320F}"/>
+          </ac:inkMkLst>
+        </pc:inkChg>
+        <pc:inkChg chg="add del">
+          <ac:chgData name="Antonio Osamu Katagiri Tanaka" userId="2c28225e-d492-4964-8551-1b0a3c65dda0" providerId="ADAL" clId="{329B512D-3474-403B-B217-DE713D6D5C19}" dt="2019-04-04T14:16:47.175" v="1958" actId="9405"/>
+          <ac:inkMkLst>
+            <pc:docMk/>
+            <pc:sldMk cId="2232161063" sldId="281"/>
+            <ac:inkMk id="6" creationId="{5B1B56C8-70C9-4730-8643-79E88310667C}"/>
+          </ac:inkMkLst>
+        </pc:inkChg>
+        <pc:inkChg chg="add del">
+          <ac:chgData name="Antonio Osamu Katagiri Tanaka" userId="2c28225e-d492-4964-8551-1b0a3c65dda0" providerId="ADAL" clId="{329B512D-3474-403B-B217-DE713D6D5C19}" dt="2019-04-04T14:16:46.724" v="1957" actId="9405"/>
+          <ac:inkMkLst>
+            <pc:docMk/>
+            <pc:sldMk cId="2232161063" sldId="281"/>
+            <ac:inkMk id="7" creationId="{24C5F770-68B4-4D42-B489-41A511F861BD}"/>
+          </ac:inkMkLst>
+        </pc:inkChg>
+        <pc:inkChg chg="add del">
+          <ac:chgData name="Antonio Osamu Katagiri Tanaka" userId="2c28225e-d492-4964-8551-1b0a3c65dda0" providerId="ADAL" clId="{329B512D-3474-403B-B217-DE713D6D5C19}" dt="2019-04-04T14:17:20.271" v="1975" actId="9405"/>
+          <ac:inkMkLst>
+            <pc:docMk/>
+            <pc:sldMk cId="2232161063" sldId="281"/>
+            <ac:inkMk id="8" creationId="{39B76950-E0E3-487C-9E7C-22E8EC186848}"/>
+          </ac:inkMkLst>
+        </pc:inkChg>
+        <pc:inkChg chg="add del">
+          <ac:chgData name="Antonio Osamu Katagiri Tanaka" userId="2c28225e-d492-4964-8551-1b0a3c65dda0" providerId="ADAL" clId="{329B512D-3474-403B-B217-DE713D6D5C19}" dt="2019-04-04T14:17:20.012" v="1974" actId="9405"/>
+          <ac:inkMkLst>
+            <pc:docMk/>
+            <pc:sldMk cId="2232161063" sldId="281"/>
+            <ac:inkMk id="9" creationId="{3CEC4F54-38E1-4934-8B8C-FFE12692C698}"/>
+          </ac:inkMkLst>
+        </pc:inkChg>
+        <pc:inkChg chg="add del">
+          <ac:chgData name="Antonio Osamu Katagiri Tanaka" userId="2c28225e-d492-4964-8551-1b0a3c65dda0" providerId="ADAL" clId="{329B512D-3474-403B-B217-DE713D6D5C19}" dt="2019-04-04T14:17:09.245" v="1963"/>
+          <ac:inkMkLst>
+            <pc:docMk/>
+            <pc:sldMk cId="2232161063" sldId="281"/>
+            <ac:inkMk id="10" creationId="{0DBEE789-6623-4AB2-ADC5-98E430E1CBAF}"/>
+          </ac:inkMkLst>
+        </pc:inkChg>
+        <pc:inkChg chg="add del">
+          <ac:chgData name="Antonio Osamu Katagiri Tanaka" userId="2c28225e-d492-4964-8551-1b0a3c65dda0" providerId="ADAL" clId="{329B512D-3474-403B-B217-DE713D6D5C19}" dt="2019-04-04T14:17:19.713" v="1973" actId="9405"/>
+          <ac:inkMkLst>
+            <pc:docMk/>
+            <pc:sldMk cId="2232161063" sldId="281"/>
+            <ac:inkMk id="11" creationId="{DFC9F2CA-5285-4A5C-9F5B-2525D84FA85B}"/>
+          </ac:inkMkLst>
+        </pc:inkChg>
+        <pc:inkChg chg="add del">
+          <ac:chgData name="Antonio Osamu Katagiri Tanaka" userId="2c28225e-d492-4964-8551-1b0a3c65dda0" providerId="ADAL" clId="{329B512D-3474-403B-B217-DE713D6D5C19}" dt="2019-04-04T14:17:11.940" v="1965"/>
+          <ac:inkMkLst>
+            <pc:docMk/>
+            <pc:sldMk cId="2232161063" sldId="281"/>
+            <ac:inkMk id="12" creationId="{70729EB8-D999-44DE-BD4B-AC2656488D0D}"/>
+          </ac:inkMkLst>
+        </pc:inkChg>
+        <pc:inkChg chg="add del">
+          <ac:chgData name="Antonio Osamu Katagiri Tanaka" userId="2c28225e-d492-4964-8551-1b0a3c65dda0" providerId="ADAL" clId="{329B512D-3474-403B-B217-DE713D6D5C19}" dt="2019-04-04T14:17:19.448" v="1972" actId="9405"/>
+          <ac:inkMkLst>
+            <pc:docMk/>
+            <pc:sldMk cId="2232161063" sldId="281"/>
+            <ac:inkMk id="13" creationId="{B5E4568C-A122-4752-BFD4-D01AB9477A90}"/>
+          </ac:inkMkLst>
+        </pc:inkChg>
+        <pc:inkChg chg="add del">
+          <ac:chgData name="Antonio Osamu Katagiri Tanaka" userId="2c28225e-d492-4964-8551-1b0a3c65dda0" providerId="ADAL" clId="{329B512D-3474-403B-B217-DE713D6D5C19}" dt="2019-04-04T14:17:14.340" v="1967"/>
+          <ac:inkMkLst>
+            <pc:docMk/>
+            <pc:sldMk cId="2232161063" sldId="281"/>
+            <ac:inkMk id="14" creationId="{B7C371AD-F542-4243-992B-83DE8682F6E8}"/>
+          </ac:inkMkLst>
+        </pc:inkChg>
+        <pc:inkChg chg="add del">
+          <ac:chgData name="Antonio Osamu Katagiri Tanaka" userId="2c28225e-d492-4964-8551-1b0a3c65dda0" providerId="ADAL" clId="{329B512D-3474-403B-B217-DE713D6D5C19}" dt="2019-04-04T14:17:19.102" v="1971" actId="9405"/>
+          <ac:inkMkLst>
+            <pc:docMk/>
+            <pc:sldMk cId="2232161063" sldId="281"/>
+            <ac:inkMk id="15" creationId="{CFB02AAB-6668-48F3-B426-4D9D0CC71014}"/>
+          </ac:inkMkLst>
+        </pc:inkChg>
+        <pc:inkChg chg="add del">
+          <ac:chgData name="Antonio Osamu Katagiri Tanaka" userId="2c28225e-d492-4964-8551-1b0a3c65dda0" providerId="ADAL" clId="{329B512D-3474-403B-B217-DE713D6D5C19}" dt="2019-04-04T14:17:17.351" v="1969"/>
+          <ac:inkMkLst>
+            <pc:docMk/>
+            <pc:sldMk cId="2232161063" sldId="281"/>
+            <ac:inkMk id="16" creationId="{F958836C-F4E8-4AF9-BD66-055A4B6A0328}"/>
+          </ac:inkMkLst>
+        </pc:inkChg>
+        <pc:inkChg chg="add del">
+          <ac:chgData name="Antonio Osamu Katagiri Tanaka" userId="2c28225e-d492-4964-8551-1b0a3c65dda0" providerId="ADAL" clId="{329B512D-3474-403B-B217-DE713D6D5C19}" dt="2019-04-04T14:17:18.869" v="1970" actId="9405"/>
+          <ac:inkMkLst>
+            <pc:docMk/>
+            <pc:sldMk cId="2232161063" sldId="281"/>
+            <ac:inkMk id="17" creationId="{381EC61D-F6A6-4D31-8DC8-0FDB22BF7969}"/>
+          </ac:inkMkLst>
+        </pc:inkChg>
+        <pc:inkChg chg="add">
+          <ac:chgData name="Antonio Osamu Katagiri Tanaka" userId="2c28225e-d492-4964-8551-1b0a3c65dda0" providerId="ADAL" clId="{329B512D-3474-403B-B217-DE713D6D5C19}" dt="2019-04-04T14:17:17.351" v="1969"/>
+          <ac:inkMkLst>
+            <pc:docMk/>
+            <pc:sldMk cId="2232161063" sldId="281"/>
+            <ac:inkMk id="18" creationId="{A82FD42E-7762-4781-B54C-6FC99285B972}"/>
+          </ac:inkMkLst>
+        </pc:inkChg>
+        <pc:inkChg chg="add">
+          <ac:chgData name="Antonio Osamu Katagiri Tanaka" userId="2c28225e-d492-4964-8551-1b0a3c65dda0" providerId="ADAL" clId="{329B512D-3474-403B-B217-DE713D6D5C19}" dt="2019-04-04T14:17:54.544" v="1976" actId="9405"/>
+          <ac:inkMkLst>
+            <pc:docMk/>
+            <pc:sldMk cId="2232161063" sldId="281"/>
+            <ac:inkMk id="19" creationId="{BAA549A7-2830-4ED6-A802-0791908B8068}"/>
+          </ac:inkMkLst>
+        </pc:inkChg>
+      </pc:sldChg>
+    </pc:docChg>
+  </pc:docChgLst>
   <pc:docChgLst>
     <pc:chgData name="Antonio Osamu Katagiri Tanaka" userId="2c28225e-d492-4964-8551-1b0a3c65dda0" providerId="ADAL" clId="{C59DF1F7-432E-4893-B28C-5D3B004F8374}"/>
     <pc:docChg chg="undo redo custSel addSld delSld modSld sldOrd delSection modSection">
@@ -982,12 +1256,12 @@
   <pc:docChgLst>
     <pc:chgData name="Antonio Osamu Katagiri Tanaka" userId="2c28225e-d492-4964-8551-1b0a3c65dda0" providerId="ADAL" clId="{F57EC7D9-BC06-4F14-AB31-5FA9C495C528}"/>
     <pc:docChg chg="undo custSel addSld delSld modSld sldOrd modSection">
-      <pc:chgData name="Antonio Osamu Katagiri Tanaka" userId="2c28225e-d492-4964-8551-1b0a3c65dda0" providerId="ADAL" clId="{F57EC7D9-BC06-4F14-AB31-5FA9C495C528}" dt="2020-07-17T22:19:05.581" v="177" actId="20577"/>
+      <pc:chgData name="Antonio Osamu Katagiri Tanaka" userId="2c28225e-d492-4964-8551-1b0a3c65dda0" providerId="ADAL" clId="{F57EC7D9-BC06-4F14-AB31-5FA9C495C528}" dt="2020-07-18T00:05:48.961" v="742" actId="6549"/>
       <pc:docMkLst>
         <pc:docMk/>
       </pc:docMkLst>
       <pc:sldChg chg="modSp mod">
-        <pc:chgData name="Antonio Osamu Katagiri Tanaka" userId="2c28225e-d492-4964-8551-1b0a3c65dda0" providerId="ADAL" clId="{F57EC7D9-BC06-4F14-AB31-5FA9C495C528}" dt="2020-07-17T22:19:05.581" v="177" actId="20577"/>
+        <pc:chgData name="Antonio Osamu Katagiri Tanaka" userId="2c28225e-d492-4964-8551-1b0a3c65dda0" providerId="ADAL" clId="{F57EC7D9-BC06-4F14-AB31-5FA9C495C528}" dt="2020-07-17T22:53:31.034" v="319"/>
         <pc:sldMkLst>
           <pc:docMk/>
           <pc:sldMk cId="3401248549" sldId="256"/>
@@ -1001,7 +1275,7 @@
           </ac:spMkLst>
         </pc:spChg>
         <pc:spChg chg="mod">
-          <ac:chgData name="Antonio Osamu Katagiri Tanaka" userId="2c28225e-d492-4964-8551-1b0a3c65dda0" providerId="ADAL" clId="{F57EC7D9-BC06-4F14-AB31-5FA9C495C528}" dt="2020-07-17T22:01:53.174" v="55" actId="20577"/>
+          <ac:chgData name="Antonio Osamu Katagiri Tanaka" userId="2c28225e-d492-4964-8551-1b0a3c65dda0" providerId="ADAL" clId="{F57EC7D9-BC06-4F14-AB31-5FA9C495C528}" dt="2020-07-17T22:53:31.034" v="319"/>
           <ac:spMkLst>
             <pc:docMk/>
             <pc:sldMk cId="3401248549" sldId="256"/>
@@ -1017,7 +1291,7 @@
         </pc:sldMkLst>
       </pc:sldChg>
       <pc:sldChg chg="addSp delSp modSp mod ord">
-        <pc:chgData name="Antonio Osamu Katagiri Tanaka" userId="2c28225e-d492-4964-8551-1b0a3c65dda0" providerId="ADAL" clId="{F57EC7D9-BC06-4F14-AB31-5FA9C495C528}" dt="2020-07-17T22:11:56.878" v="173" actId="20577"/>
+        <pc:chgData name="Antonio Osamu Katagiri Tanaka" userId="2c28225e-d492-4964-8551-1b0a3c65dda0" providerId="ADAL" clId="{F57EC7D9-BC06-4F14-AB31-5FA9C495C528}" dt="2020-07-17T23:53:13.409" v="412" actId="478"/>
         <pc:sldMkLst>
           <pc:docMk/>
           <pc:sldMk cId="4056039362" sldId="260"/>
@@ -1038,16 +1312,16 @@
             <ac:spMk id="6" creationId="{438892A2-F58C-479B-93B3-BDD2A80D348B}"/>
           </ac:spMkLst>
         </pc:spChg>
-        <pc:spChg chg="add mod">
-          <ac:chgData name="Antonio Osamu Katagiri Tanaka" userId="2c28225e-d492-4964-8551-1b0a3c65dda0" providerId="ADAL" clId="{F57EC7D9-BC06-4F14-AB31-5FA9C495C528}" dt="2020-07-17T22:11:03.935" v="166" actId="1076"/>
+        <pc:spChg chg="add del mod">
+          <ac:chgData name="Antonio Osamu Katagiri Tanaka" userId="2c28225e-d492-4964-8551-1b0a3c65dda0" providerId="ADAL" clId="{F57EC7D9-BC06-4F14-AB31-5FA9C495C528}" dt="2020-07-17T23:36:19.311" v="331" actId="478"/>
           <ac:spMkLst>
             <pc:docMk/>
             <pc:sldMk cId="4056039362" sldId="260"/>
             <ac:spMk id="8" creationId="{39F4C7EF-7388-4169-8FD4-19FFBA3F58C0}"/>
           </ac:spMkLst>
         </pc:spChg>
-        <pc:spChg chg="add mod">
-          <ac:chgData name="Antonio Osamu Katagiri Tanaka" userId="2c28225e-d492-4964-8551-1b0a3c65dda0" providerId="ADAL" clId="{F57EC7D9-BC06-4F14-AB31-5FA9C495C528}" dt="2020-07-17T22:11:18.033" v="168" actId="1076"/>
+        <pc:spChg chg="add del mod">
+          <ac:chgData name="Antonio Osamu Katagiri Tanaka" userId="2c28225e-d492-4964-8551-1b0a3c65dda0" providerId="ADAL" clId="{F57EC7D9-BC06-4F14-AB31-5FA9C495C528}" dt="2020-07-17T23:36:19.311" v="331" actId="478"/>
           <ac:spMkLst>
             <pc:docMk/>
             <pc:sldMk cId="4056039362" sldId="260"/>
@@ -1055,21 +1329,93 @@
           </ac:spMkLst>
         </pc:spChg>
         <pc:spChg chg="mod">
-          <ac:chgData name="Antonio Osamu Katagiri Tanaka" userId="2c28225e-d492-4964-8551-1b0a3c65dda0" providerId="ADAL" clId="{F57EC7D9-BC06-4F14-AB31-5FA9C495C528}" dt="2020-07-17T22:11:56.878" v="173" actId="20577"/>
+          <ac:chgData name="Antonio Osamu Katagiri Tanaka" userId="2c28225e-d492-4964-8551-1b0a3c65dda0" providerId="ADAL" clId="{F57EC7D9-BC06-4F14-AB31-5FA9C495C528}" dt="2020-07-17T23:38:40.812" v="392" actId="20577"/>
           <ac:spMkLst>
             <pc:docMk/>
             <pc:sldMk cId="4056039362" sldId="260"/>
             <ac:spMk id="14" creationId="{B1FDEF3E-1872-41D3-A841-FBE14801F476}"/>
           </ac:spMkLst>
         </pc:spChg>
-        <pc:picChg chg="add mod">
-          <ac:chgData name="Antonio Osamu Katagiri Tanaka" userId="2c28225e-d492-4964-8551-1b0a3c65dda0" providerId="ADAL" clId="{F57EC7D9-BC06-4F14-AB31-5FA9C495C528}" dt="2020-07-17T22:09:04.154" v="135" actId="1076"/>
+        <pc:spChg chg="add mod">
+          <ac:chgData name="Antonio Osamu Katagiri Tanaka" userId="2c28225e-d492-4964-8551-1b0a3c65dda0" providerId="ADAL" clId="{F57EC7D9-BC06-4F14-AB31-5FA9C495C528}" dt="2020-07-17T23:39:34.649" v="406" actId="1076"/>
+          <ac:spMkLst>
+            <pc:docMk/>
+            <pc:sldMk cId="4056039362" sldId="260"/>
+            <ac:spMk id="20" creationId="{86DFC50E-1521-4CDD-825D-7C1EA82C5D6D}"/>
+          </ac:spMkLst>
+        </pc:spChg>
+        <pc:picChg chg="add del mod">
+          <ac:chgData name="Antonio Osamu Katagiri Tanaka" userId="2c28225e-d492-4964-8551-1b0a3c65dda0" providerId="ADAL" clId="{F57EC7D9-BC06-4F14-AB31-5FA9C495C528}" dt="2020-07-17T23:36:19.311" v="331" actId="478"/>
           <ac:picMkLst>
             <pc:docMk/>
             <pc:sldMk cId="4056039362" sldId="260"/>
             <ac:picMk id="5" creationId="{D3136563-E3BE-4780-BA85-A79EAE82B294}"/>
           </ac:picMkLst>
         </pc:picChg>
+        <pc:picChg chg="add mod">
+          <ac:chgData name="Antonio Osamu Katagiri Tanaka" userId="2c28225e-d492-4964-8551-1b0a3c65dda0" providerId="ADAL" clId="{F57EC7D9-BC06-4F14-AB31-5FA9C495C528}" dt="2020-07-17T23:38:46.093" v="393" actId="1076"/>
+          <ac:picMkLst>
+            <pc:docMk/>
+            <pc:sldMk cId="4056039362" sldId="260"/>
+            <ac:picMk id="16" creationId="{C87454A3-38B3-4ECA-981F-77E5CF976BD1}"/>
+          </ac:picMkLst>
+        </pc:picChg>
+        <pc:picChg chg="add mod">
+          <ac:chgData name="Antonio Osamu Katagiri Tanaka" userId="2c28225e-d492-4964-8551-1b0a3c65dda0" providerId="ADAL" clId="{F57EC7D9-BC06-4F14-AB31-5FA9C495C528}" dt="2020-07-17T23:38:46.093" v="393" actId="1076"/>
+          <ac:picMkLst>
+            <pc:docMk/>
+            <pc:sldMk cId="4056039362" sldId="260"/>
+            <ac:picMk id="17" creationId="{D5207A1E-EB85-457A-84DA-8430622CC50E}"/>
+          </ac:picMkLst>
+        </pc:picChg>
+        <pc:picChg chg="add mod">
+          <ac:chgData name="Antonio Osamu Katagiri Tanaka" userId="2c28225e-d492-4964-8551-1b0a3c65dda0" providerId="ADAL" clId="{F57EC7D9-BC06-4F14-AB31-5FA9C495C528}" dt="2020-07-17T23:38:46.093" v="393" actId="1076"/>
+          <ac:picMkLst>
+            <pc:docMk/>
+            <pc:sldMk cId="4056039362" sldId="260"/>
+            <ac:picMk id="18" creationId="{798806F0-1896-4FFF-B249-3C97092C0C88}"/>
+          </ac:picMkLst>
+        </pc:picChg>
+        <pc:picChg chg="add mod">
+          <ac:chgData name="Antonio Osamu Katagiri Tanaka" userId="2c28225e-d492-4964-8551-1b0a3c65dda0" providerId="ADAL" clId="{F57EC7D9-BC06-4F14-AB31-5FA9C495C528}" dt="2020-07-17T23:38:46.093" v="393" actId="1076"/>
+          <ac:picMkLst>
+            <pc:docMk/>
+            <pc:sldMk cId="4056039362" sldId="260"/>
+            <ac:picMk id="19" creationId="{0DB25E44-AD07-4546-8BEA-7408B451BE72}"/>
+          </ac:picMkLst>
+        </pc:picChg>
+        <pc:picChg chg="add del mod">
+          <ac:chgData name="Antonio Osamu Katagiri Tanaka" userId="2c28225e-d492-4964-8551-1b0a3c65dda0" providerId="ADAL" clId="{F57EC7D9-BC06-4F14-AB31-5FA9C495C528}" dt="2020-07-17T23:53:13.409" v="412" actId="478"/>
+          <ac:picMkLst>
+            <pc:docMk/>
+            <pc:sldMk cId="4056039362" sldId="260"/>
+            <ac:picMk id="21" creationId="{2662A30A-871A-4B4B-B064-D0FCA1E84BA4}"/>
+          </ac:picMkLst>
+        </pc:picChg>
+        <pc:cxnChg chg="add del mod">
+          <ac:chgData name="Antonio Osamu Katagiri Tanaka" userId="2c28225e-d492-4964-8551-1b0a3c65dda0" providerId="ADAL" clId="{F57EC7D9-BC06-4F14-AB31-5FA9C495C528}" dt="2020-07-17T23:36:19.311" v="331" actId="478"/>
+          <ac:cxnSpMkLst>
+            <pc:docMk/>
+            <pc:sldMk cId="4056039362" sldId="260"/>
+            <ac:cxnSpMk id="4" creationId="{4F22B315-CDA4-46A7-AB47-C51E1E383656}"/>
+          </ac:cxnSpMkLst>
+        </pc:cxnChg>
+        <pc:cxnChg chg="add del mod">
+          <ac:chgData name="Antonio Osamu Katagiri Tanaka" userId="2c28225e-d492-4964-8551-1b0a3c65dda0" providerId="ADAL" clId="{F57EC7D9-BC06-4F14-AB31-5FA9C495C528}" dt="2020-07-17T23:36:19.311" v="331" actId="478"/>
+          <ac:cxnSpMkLst>
+            <pc:docMk/>
+            <pc:sldMk cId="4056039362" sldId="260"/>
+            <ac:cxnSpMk id="10" creationId="{B6BAB809-7055-4AB2-A912-06A800524C92}"/>
+          </ac:cxnSpMkLst>
+        </pc:cxnChg>
+        <pc:cxnChg chg="add del mod">
+          <ac:chgData name="Antonio Osamu Katagiri Tanaka" userId="2c28225e-d492-4964-8551-1b0a3c65dda0" providerId="ADAL" clId="{F57EC7D9-BC06-4F14-AB31-5FA9C495C528}" dt="2020-07-17T23:36:19.311" v="331" actId="478"/>
+          <ac:cxnSpMkLst>
+            <pc:docMk/>
+            <pc:sldMk cId="4056039362" sldId="260"/>
+            <ac:cxnSpMk id="15" creationId="{F08446A3-158E-4205-AE86-985497425C9F}"/>
+          </ac:cxnSpMkLst>
+        </pc:cxnChg>
       </pc:sldChg>
       <pc:sldChg chg="del modTransition">
         <pc:chgData name="Antonio Osamu Katagiri Tanaka" userId="2c28225e-d492-4964-8551-1b0a3c65dda0" providerId="ADAL" clId="{F57EC7D9-BC06-4F14-AB31-5FA9C495C528}" dt="2020-07-17T22:16:30.798" v="175" actId="47"/>
@@ -1099,8 +1445,8 @@
           <pc:sldMk cId="2232161063" sldId="281"/>
         </pc:sldMkLst>
       </pc:sldChg>
-      <pc:sldChg chg="addSp modSp add mod">
-        <pc:chgData name="Antonio Osamu Katagiri Tanaka" userId="2c28225e-d492-4964-8551-1b0a3c65dda0" providerId="ADAL" clId="{F57EC7D9-BC06-4F14-AB31-5FA9C495C528}" dt="2020-07-17T22:10:55.065" v="164" actId="1076"/>
+      <pc:sldChg chg="addSp delSp modSp add mod">
+        <pc:chgData name="Antonio Osamu Katagiri Tanaka" userId="2c28225e-d492-4964-8551-1b0a3c65dda0" providerId="ADAL" clId="{F57EC7D9-BC06-4F14-AB31-5FA9C495C528}" dt="2020-07-17T23:55:44.261" v="415" actId="21"/>
         <pc:sldMkLst>
           <pc:docMk/>
           <pc:sldMk cId="353711565" sldId="282"/>
@@ -1146,7 +1492,7 @@
           </ac:spMkLst>
         </pc:spChg>
         <pc:spChg chg="mod">
-          <ac:chgData name="Antonio Osamu Katagiri Tanaka" userId="2c28225e-d492-4964-8551-1b0a3c65dda0" providerId="ADAL" clId="{F57EC7D9-BC06-4F14-AB31-5FA9C495C528}" dt="2020-07-17T22:05:12.278" v="115" actId="20577"/>
+          <ac:chgData name="Antonio Osamu Katagiri Tanaka" userId="2c28225e-d492-4964-8551-1b0a3c65dda0" providerId="ADAL" clId="{F57EC7D9-BC06-4F14-AB31-5FA9C495C528}" dt="2020-07-17T23:14:04.479" v="329" actId="20577"/>
           <ac:spMkLst>
             <pc:docMk/>
             <pc:sldMk cId="353711565" sldId="282"/>
@@ -1169,266 +1515,180 @@
             <ac:picMk id="5" creationId="{ED62EFF1-6BE3-4656-BE8F-6192A4AB213F}"/>
           </ac:picMkLst>
         </pc:picChg>
+        <pc:picChg chg="add del">
+          <ac:chgData name="Antonio Osamu Katagiri Tanaka" userId="2c28225e-d492-4964-8551-1b0a3c65dda0" providerId="ADAL" clId="{F57EC7D9-BC06-4F14-AB31-5FA9C495C528}" dt="2020-07-17T23:55:44.261" v="415" actId="21"/>
+          <ac:picMkLst>
+            <pc:docMk/>
+            <pc:sldMk cId="353711565" sldId="282"/>
+            <ac:picMk id="6" creationId="{E668448A-6ACE-4BEF-96CD-B1B6071C49FD}"/>
+          </ac:picMkLst>
+        </pc:picChg>
       </pc:sldChg>
-    </pc:docChg>
-  </pc:docChgLst>
-  <pc:docChgLst>
-    <pc:chgData name="Antonio Osamu Katagiri Tanaka" userId="2c28225e-d492-4964-8551-1b0a3c65dda0" providerId="ADAL" clId="{329B512D-3474-403B-B217-DE713D6D5C19}"/>
-    <pc:docChg chg="undo custSel addSld delSld modSld sldOrd modSection">
-      <pc:chgData name="Antonio Osamu Katagiri Tanaka" userId="2c28225e-d492-4964-8551-1b0a3c65dda0" providerId="ADAL" clId="{329B512D-3474-403B-B217-DE713D6D5C19}" dt="2019-04-04T15:50:31.505" v="1986" actId="20577"/>
-      <pc:docMkLst>
-        <pc:docMk/>
-      </pc:docMkLst>
-      <pc:sldChg chg="addSp">
-        <pc:chgData name="Antonio Osamu Katagiri Tanaka" userId="2c28225e-d492-4964-8551-1b0a3c65dda0" providerId="ADAL" clId="{329B512D-3474-403B-B217-DE713D6D5C19}" dt="2019-03-31T15:07:38.520" v="0" actId="9405"/>
+      <pc:sldChg chg="modSp add mod">
+        <pc:chgData name="Antonio Osamu Katagiri Tanaka" userId="2c28225e-d492-4964-8551-1b0a3c65dda0" providerId="ADAL" clId="{F57EC7D9-BC06-4F14-AB31-5FA9C495C528}" dt="2020-07-17T23:47:35.570" v="408" actId="6549"/>
         <pc:sldMkLst>
           <pc:docMk/>
-          <pc:sldMk cId="3401248549" sldId="256"/>
+          <pc:sldMk cId="3196816484" sldId="283"/>
         </pc:sldMkLst>
-        <pc:inkChg chg="add">
-          <ac:chgData name="Antonio Osamu Katagiri Tanaka" userId="2c28225e-d492-4964-8551-1b0a3c65dda0" providerId="ADAL" clId="{329B512D-3474-403B-B217-DE713D6D5C19}" dt="2019-03-31T15:07:38.520" v="0" actId="9405"/>
-          <ac:inkMkLst>
-            <pc:docMk/>
-            <pc:sldMk cId="3401248549" sldId="256"/>
-            <ac:inkMk id="2" creationId="{E00210A8-2E97-46D2-AE68-867D9198F33C}"/>
-          </ac:inkMkLst>
-        </pc:inkChg>
+        <pc:spChg chg="mod">
+          <ac:chgData name="Antonio Osamu Katagiri Tanaka" userId="2c28225e-d492-4964-8551-1b0a3c65dda0" providerId="ADAL" clId="{F57EC7D9-BC06-4F14-AB31-5FA9C495C528}" dt="2020-07-17T23:36:44.164" v="356" actId="1035"/>
+          <ac:spMkLst>
+            <pc:docMk/>
+            <pc:sldMk cId="3196816484" sldId="283"/>
+            <ac:spMk id="8" creationId="{39F4C7EF-7388-4169-8FD4-19FFBA3F58C0}"/>
+          </ac:spMkLst>
+        </pc:spChg>
+        <pc:spChg chg="mod">
+          <ac:chgData name="Antonio Osamu Katagiri Tanaka" userId="2c28225e-d492-4964-8551-1b0a3c65dda0" providerId="ADAL" clId="{F57EC7D9-BC06-4F14-AB31-5FA9C495C528}" dt="2020-07-17T23:36:44.164" v="356" actId="1035"/>
+          <ac:spMkLst>
+            <pc:docMk/>
+            <pc:sldMk cId="3196816484" sldId="283"/>
+            <ac:spMk id="9" creationId="{EDBE2843-2706-420B-AC64-428082AD6A50}"/>
+          </ac:spMkLst>
+        </pc:spChg>
+        <pc:spChg chg="mod">
+          <ac:chgData name="Antonio Osamu Katagiri Tanaka" userId="2c28225e-d492-4964-8551-1b0a3c65dda0" providerId="ADAL" clId="{F57EC7D9-BC06-4F14-AB31-5FA9C495C528}" dt="2020-07-17T23:47:35.570" v="408" actId="6549"/>
+          <ac:spMkLst>
+            <pc:docMk/>
+            <pc:sldMk cId="3196816484" sldId="283"/>
+            <ac:spMk id="14" creationId="{B1FDEF3E-1872-41D3-A841-FBE14801F476}"/>
+          </ac:spMkLst>
+        </pc:spChg>
+        <pc:picChg chg="mod">
+          <ac:chgData name="Antonio Osamu Katagiri Tanaka" userId="2c28225e-d492-4964-8551-1b0a3c65dda0" providerId="ADAL" clId="{F57EC7D9-BC06-4F14-AB31-5FA9C495C528}" dt="2020-07-17T23:36:44.164" v="356" actId="1035"/>
+          <ac:picMkLst>
+            <pc:docMk/>
+            <pc:sldMk cId="3196816484" sldId="283"/>
+            <ac:picMk id="5" creationId="{D3136563-E3BE-4780-BA85-A79EAE82B294}"/>
+          </ac:picMkLst>
+        </pc:picChg>
+        <pc:cxnChg chg="mod">
+          <ac:chgData name="Antonio Osamu Katagiri Tanaka" userId="2c28225e-d492-4964-8551-1b0a3c65dda0" providerId="ADAL" clId="{F57EC7D9-BC06-4F14-AB31-5FA9C495C528}" dt="2020-07-17T23:36:44.164" v="356" actId="1035"/>
+          <ac:cxnSpMkLst>
+            <pc:docMk/>
+            <pc:sldMk cId="3196816484" sldId="283"/>
+            <ac:cxnSpMk id="4" creationId="{4F22B315-CDA4-46A7-AB47-C51E1E383656}"/>
+          </ac:cxnSpMkLst>
+        </pc:cxnChg>
+        <pc:cxnChg chg="mod">
+          <ac:chgData name="Antonio Osamu Katagiri Tanaka" userId="2c28225e-d492-4964-8551-1b0a3c65dda0" providerId="ADAL" clId="{F57EC7D9-BC06-4F14-AB31-5FA9C495C528}" dt="2020-07-17T23:36:44.164" v="356" actId="1035"/>
+          <ac:cxnSpMkLst>
+            <pc:docMk/>
+            <pc:sldMk cId="3196816484" sldId="283"/>
+            <ac:cxnSpMk id="10" creationId="{B6BAB809-7055-4AB2-A912-06A800524C92}"/>
+          </ac:cxnSpMkLst>
+        </pc:cxnChg>
+        <pc:cxnChg chg="mod">
+          <ac:chgData name="Antonio Osamu Katagiri Tanaka" userId="2c28225e-d492-4964-8551-1b0a3c65dda0" providerId="ADAL" clId="{F57EC7D9-BC06-4F14-AB31-5FA9C495C528}" dt="2020-07-17T23:36:44.164" v="356" actId="1035"/>
+          <ac:cxnSpMkLst>
+            <pc:docMk/>
+            <pc:sldMk cId="3196816484" sldId="283"/>
+            <ac:cxnSpMk id="15" creationId="{F08446A3-158E-4205-AE86-985497425C9F}"/>
+          </ac:cxnSpMkLst>
+        </pc:cxnChg>
       </pc:sldChg>
-      <pc:sldChg chg="modSp">
-        <pc:chgData name="Antonio Osamu Katagiri Tanaka" userId="2c28225e-d492-4964-8551-1b0a3c65dda0" providerId="ADAL" clId="{329B512D-3474-403B-B217-DE713D6D5C19}" dt="2019-04-04T15:50:31.505" v="1986" actId="20577"/>
+      <pc:sldChg chg="addSp delSp modSp add mod modNotesTx">
+        <pc:chgData name="Antonio Osamu Katagiri Tanaka" userId="2c28225e-d492-4964-8551-1b0a3c65dda0" providerId="ADAL" clId="{F57EC7D9-BC06-4F14-AB31-5FA9C495C528}" dt="2020-07-18T00:05:48.961" v="742" actId="6549"/>
         <pc:sldMkLst>
           <pc:docMk/>
-          <pc:sldMk cId="1105756717" sldId="257"/>
+          <pc:sldMk cId="2619603012" sldId="284"/>
         </pc:sldMkLst>
-        <pc:spChg chg="mod">
-          <ac:chgData name="Antonio Osamu Katagiri Tanaka" userId="2c28225e-d492-4964-8551-1b0a3c65dda0" providerId="ADAL" clId="{329B512D-3474-403B-B217-DE713D6D5C19}" dt="2019-04-04T15:50:31.505" v="1986" actId="20577"/>
+        <pc:spChg chg="del">
+          <ac:chgData name="Antonio Osamu Katagiri Tanaka" userId="2c28225e-d492-4964-8551-1b0a3c65dda0" providerId="ADAL" clId="{F57EC7D9-BC06-4F14-AB31-5FA9C495C528}" dt="2020-07-17T23:56:08.894" v="422" actId="478"/>
           <ac:spMkLst>
             <pc:docMk/>
-            <pc:sldMk cId="1105756717" sldId="257"/>
-            <ac:spMk id="3" creationId="{6E971A9A-8031-4781-96A0-B9A5656935B5}"/>
+            <pc:sldMk cId="2619603012" sldId="284"/>
+            <ac:spMk id="8" creationId="{39F4C7EF-7388-4169-8FD4-19FFBA3F58C0}"/>
           </ac:spMkLst>
         </pc:spChg>
-      </pc:sldChg>
-      <pc:sldChg chg="addSp delSp modSp">
-        <pc:chgData name="Antonio Osamu Katagiri Tanaka" userId="2c28225e-d492-4964-8551-1b0a3c65dda0" providerId="ADAL" clId="{329B512D-3474-403B-B217-DE713D6D5C19}" dt="2019-04-04T14:27:37.615" v="1984" actId="115"/>
-        <pc:sldMkLst>
-          <pc:docMk/>
-          <pc:sldMk cId="3604131991" sldId="263"/>
-        </pc:sldMkLst>
-        <pc:spChg chg="mod">
-          <ac:chgData name="Antonio Osamu Katagiri Tanaka" userId="2c28225e-d492-4964-8551-1b0a3c65dda0" providerId="ADAL" clId="{329B512D-3474-403B-B217-DE713D6D5C19}" dt="2019-04-04T14:27:37.615" v="1984" actId="115"/>
+        <pc:spChg chg="del">
+          <ac:chgData name="Antonio Osamu Katagiri Tanaka" userId="2c28225e-d492-4964-8551-1b0a3c65dda0" providerId="ADAL" clId="{F57EC7D9-BC06-4F14-AB31-5FA9C495C528}" dt="2020-07-17T23:56:08.894" v="422" actId="478"/>
           <ac:spMkLst>
             <pc:docMk/>
-            <pc:sldMk cId="3604131991" sldId="263"/>
-            <ac:spMk id="6" creationId="{058630E6-31AF-4451-B084-C9809D0DA4E8}"/>
+            <pc:sldMk cId="2619603012" sldId="284"/>
+            <ac:spMk id="9" creationId="{EDBE2843-2706-420B-AC64-428082AD6A50}"/>
           </ac:spMkLst>
         </pc:spChg>
-        <pc:inkChg chg="add del">
-          <ac:chgData name="Antonio Osamu Katagiri Tanaka" userId="2c28225e-d492-4964-8551-1b0a3c65dda0" providerId="ADAL" clId="{329B512D-3474-403B-B217-DE713D6D5C19}" dt="2019-04-04T14:27:28.979" v="1982" actId="9405"/>
-          <ac:inkMkLst>
-            <pc:docMk/>
-            <pc:sldMk cId="3604131991" sldId="263"/>
-            <ac:inkMk id="2" creationId="{969D952D-714C-43B0-A513-C6B4AE47428D}"/>
-          </ac:inkMkLst>
-        </pc:inkChg>
-        <pc:inkChg chg="add del">
-          <ac:chgData name="Antonio Osamu Katagiri Tanaka" userId="2c28225e-d492-4964-8551-1b0a3c65dda0" providerId="ADAL" clId="{329B512D-3474-403B-B217-DE713D6D5C19}" dt="2019-04-04T14:27:28.045" v="1981" actId="9405"/>
-          <ac:inkMkLst>
-            <pc:docMk/>
-            <pc:sldMk cId="3604131991" sldId="263"/>
-            <ac:inkMk id="3" creationId="{FE05DE7C-4281-4120-83A0-C423CBD124A8}"/>
-          </ac:inkMkLst>
-        </pc:inkChg>
-        <pc:inkChg chg="add del">
-          <ac:chgData name="Antonio Osamu Katagiri Tanaka" userId="2c28225e-d492-4964-8551-1b0a3c65dda0" providerId="ADAL" clId="{329B512D-3474-403B-B217-DE713D6D5C19}" dt="2019-04-04T14:27:27.649" v="1980" actId="9405"/>
-          <ac:inkMkLst>
-            <pc:docMk/>
-            <pc:sldMk cId="3604131991" sldId="263"/>
-            <ac:inkMk id="5" creationId="{BB6A19F7-AA98-477A-A47F-B32552340760}"/>
-          </ac:inkMkLst>
-        </pc:inkChg>
-      </pc:sldChg>
-      <pc:sldChg chg="addSp delSp modSp add modNotesTx">
-        <pc:chgData name="Antonio Osamu Katagiri Tanaka" userId="2c28225e-d492-4964-8551-1b0a3c65dda0" providerId="ADAL" clId="{329B512D-3474-403B-B217-DE713D6D5C19}" dt="2019-04-04T13:21:57.223" v="1920" actId="20577"/>
-        <pc:sldMkLst>
-          <pc:docMk/>
-          <pc:sldMk cId="708711930" sldId="276"/>
-        </pc:sldMkLst>
-        <pc:spChg chg="mod">
-          <ac:chgData name="Antonio Osamu Katagiri Tanaka" userId="2c28225e-d492-4964-8551-1b0a3c65dda0" providerId="ADAL" clId="{329B512D-3474-403B-B217-DE713D6D5C19}" dt="2019-04-04T04:34:54.745" v="1145" actId="20577"/>
+        <pc:spChg chg="del">
+          <ac:chgData name="Antonio Osamu Katagiri Tanaka" userId="2c28225e-d492-4964-8551-1b0a3c65dda0" providerId="ADAL" clId="{F57EC7D9-BC06-4F14-AB31-5FA9C495C528}" dt="2020-07-17T23:56:06.810" v="421" actId="478"/>
           <ac:spMkLst>
             <pc:docMk/>
-            <pc:sldMk cId="708711930" sldId="276"/>
-            <ac:spMk id="4" creationId="{F9ED8BE6-F7AC-4FD8-8FA8-8C683A7C2F62}"/>
+            <pc:sldMk cId="2619603012" sldId="284"/>
+            <ac:spMk id="14" creationId="{B1FDEF3E-1872-41D3-A841-FBE14801F476}"/>
           </ac:spMkLst>
         </pc:spChg>
         <pc:spChg chg="add mod">
-          <ac:chgData name="Antonio Osamu Katagiri Tanaka" userId="2c28225e-d492-4964-8551-1b0a3c65dda0" providerId="ADAL" clId="{329B512D-3474-403B-B217-DE713D6D5C19}" dt="2019-04-04T13:21:57.223" v="1920" actId="20577"/>
+          <ac:chgData name="Antonio Osamu Katagiri Tanaka" userId="2c28225e-d492-4964-8551-1b0a3c65dda0" providerId="ADAL" clId="{F57EC7D9-BC06-4F14-AB31-5FA9C495C528}" dt="2020-07-18T00:00:20.661" v="447"/>
           <ac:spMkLst>
             <pc:docMk/>
-            <pc:sldMk cId="708711930" sldId="276"/>
-            <ac:spMk id="7" creationId="{43F915F1-9C90-4B6E-AA0B-C9F4FCF704FA}"/>
+            <pc:sldMk cId="2619603012" sldId="284"/>
+            <ac:spMk id="16" creationId="{D8F15F6A-9D64-4EF9-BACE-A5142007C602}"/>
           </ac:spMkLst>
         </pc:spChg>
-        <pc:picChg chg="add del mod">
-          <ac:chgData name="Antonio Osamu Katagiri Tanaka" userId="2c28225e-d492-4964-8551-1b0a3c65dda0" providerId="ADAL" clId="{329B512D-3474-403B-B217-DE713D6D5C19}" dt="2019-04-04T05:13:15.197" v="1321" actId="478"/>
+        <pc:spChg chg="add mod">
+          <ac:chgData name="Antonio Osamu Katagiri Tanaka" userId="2c28225e-d492-4964-8551-1b0a3c65dda0" providerId="ADAL" clId="{F57EC7D9-BC06-4F14-AB31-5FA9C495C528}" dt="2020-07-18T00:04:37.478" v="641"/>
+          <ac:spMkLst>
+            <pc:docMk/>
+            <pc:sldMk cId="2619603012" sldId="284"/>
+            <ac:spMk id="17" creationId="{2A47780B-1CD3-416A-9915-705D1818AF93}"/>
+          </ac:spMkLst>
+        </pc:spChg>
+        <pc:picChg chg="add mod">
+          <ac:chgData name="Antonio Osamu Katagiri Tanaka" userId="2c28225e-d492-4964-8551-1b0a3c65dda0" providerId="ADAL" clId="{F57EC7D9-BC06-4F14-AB31-5FA9C495C528}" dt="2020-07-17T23:56:35.005" v="430" actId="1076"/>
           <ac:picMkLst>
             <pc:docMk/>
-            <pc:sldMk cId="708711930" sldId="276"/>
-            <ac:picMk id="5" creationId="{A98AA8FA-E2A8-490A-BE93-C2DB37F95CB5}"/>
+            <pc:sldMk cId="2619603012" sldId="284"/>
+            <ac:picMk id="3" creationId="{EFA7E75E-9CDD-4238-A96A-04E7E5EEAC84}"/>
           </ac:picMkLst>
         </pc:picChg>
-      </pc:sldChg>
-      <pc:sldChg chg="addSp delSp add">
-        <pc:chgData name="Antonio Osamu Katagiri Tanaka" userId="2c28225e-d492-4964-8551-1b0a3c65dda0" providerId="ADAL" clId="{329B512D-3474-403B-B217-DE713D6D5C19}" dt="2019-04-04T14:17:54.544" v="1976" actId="9405"/>
-        <pc:sldMkLst>
-          <pc:docMk/>
-          <pc:sldMk cId="2232161063" sldId="281"/>
-        </pc:sldMkLst>
-        <pc:spChg chg="del">
-          <ac:chgData name="Antonio Osamu Katagiri Tanaka" userId="2c28225e-d492-4964-8551-1b0a3c65dda0" providerId="ADAL" clId="{329B512D-3474-403B-B217-DE713D6D5C19}" dt="2019-04-04T14:16:15.620" v="1950" actId="478"/>
-          <ac:spMkLst>
-            <pc:docMk/>
-            <pc:sldMk cId="2232161063" sldId="281"/>
-            <ac:spMk id="2" creationId="{4C4F355D-C485-4947-B93D-D35B7AA9E70B}"/>
-          </ac:spMkLst>
-        </pc:spChg>
-        <pc:spChg chg="del">
-          <ac:chgData name="Antonio Osamu Katagiri Tanaka" userId="2c28225e-d492-4964-8551-1b0a3c65dda0" providerId="ADAL" clId="{329B512D-3474-403B-B217-DE713D6D5C19}" dt="2019-04-04T14:16:15.620" v="1950" actId="478"/>
-          <ac:spMkLst>
-            <pc:docMk/>
-            <pc:sldMk cId="2232161063" sldId="281"/>
-            <ac:spMk id="3" creationId="{CEFF394F-286F-4E9E-91A4-CDDC3F9A8031}"/>
-          </ac:spMkLst>
-        </pc:spChg>
-        <pc:inkChg chg="add del">
-          <ac:chgData name="Antonio Osamu Katagiri Tanaka" userId="2c28225e-d492-4964-8551-1b0a3c65dda0" providerId="ADAL" clId="{329B512D-3474-403B-B217-DE713D6D5C19}" dt="2019-04-04T14:16:38.510" v="1954" actId="9405"/>
-          <ac:inkMkLst>
-            <pc:docMk/>
-            <pc:sldMk cId="2232161063" sldId="281"/>
-            <ac:inkMk id="4" creationId="{F48662FE-D5D2-4B7F-8DA7-0CF64BB16546}"/>
-          </ac:inkMkLst>
-        </pc:inkChg>
-        <pc:inkChg chg="add del">
-          <ac:chgData name="Antonio Osamu Katagiri Tanaka" userId="2c28225e-d492-4964-8551-1b0a3c65dda0" providerId="ADAL" clId="{329B512D-3474-403B-B217-DE713D6D5C19}" dt="2019-04-04T14:16:38.154" v="1953" actId="9405"/>
-          <ac:inkMkLst>
-            <pc:docMk/>
-            <pc:sldMk cId="2232161063" sldId="281"/>
-            <ac:inkMk id="5" creationId="{4ABF39D1-C7B9-4BA2-B542-4048A038320F}"/>
-          </ac:inkMkLst>
-        </pc:inkChg>
-        <pc:inkChg chg="add del">
-          <ac:chgData name="Antonio Osamu Katagiri Tanaka" userId="2c28225e-d492-4964-8551-1b0a3c65dda0" providerId="ADAL" clId="{329B512D-3474-403B-B217-DE713D6D5C19}" dt="2019-04-04T14:16:47.175" v="1958" actId="9405"/>
-          <ac:inkMkLst>
-            <pc:docMk/>
-            <pc:sldMk cId="2232161063" sldId="281"/>
-            <ac:inkMk id="6" creationId="{5B1B56C8-70C9-4730-8643-79E88310667C}"/>
-          </ac:inkMkLst>
-        </pc:inkChg>
-        <pc:inkChg chg="add del">
-          <ac:chgData name="Antonio Osamu Katagiri Tanaka" userId="2c28225e-d492-4964-8551-1b0a3c65dda0" providerId="ADAL" clId="{329B512D-3474-403B-B217-DE713D6D5C19}" dt="2019-04-04T14:16:46.724" v="1957" actId="9405"/>
-          <ac:inkMkLst>
-            <pc:docMk/>
-            <pc:sldMk cId="2232161063" sldId="281"/>
-            <ac:inkMk id="7" creationId="{24C5F770-68B4-4D42-B489-41A511F861BD}"/>
-          </ac:inkMkLst>
-        </pc:inkChg>
-        <pc:inkChg chg="add del">
-          <ac:chgData name="Antonio Osamu Katagiri Tanaka" userId="2c28225e-d492-4964-8551-1b0a3c65dda0" providerId="ADAL" clId="{329B512D-3474-403B-B217-DE713D6D5C19}" dt="2019-04-04T14:17:20.271" v="1975" actId="9405"/>
-          <ac:inkMkLst>
-            <pc:docMk/>
-            <pc:sldMk cId="2232161063" sldId="281"/>
-            <ac:inkMk id="8" creationId="{39B76950-E0E3-487C-9E7C-22E8EC186848}"/>
-          </ac:inkMkLst>
-        </pc:inkChg>
-        <pc:inkChg chg="add del">
-          <ac:chgData name="Antonio Osamu Katagiri Tanaka" userId="2c28225e-d492-4964-8551-1b0a3c65dda0" providerId="ADAL" clId="{329B512D-3474-403B-B217-DE713D6D5C19}" dt="2019-04-04T14:17:20.012" v="1974" actId="9405"/>
-          <ac:inkMkLst>
-            <pc:docMk/>
-            <pc:sldMk cId="2232161063" sldId="281"/>
-            <ac:inkMk id="9" creationId="{3CEC4F54-38E1-4934-8B8C-FFE12692C698}"/>
-          </ac:inkMkLst>
-        </pc:inkChg>
-        <pc:inkChg chg="add del">
-          <ac:chgData name="Antonio Osamu Katagiri Tanaka" userId="2c28225e-d492-4964-8551-1b0a3c65dda0" providerId="ADAL" clId="{329B512D-3474-403B-B217-DE713D6D5C19}" dt="2019-04-04T14:17:09.245" v="1963"/>
-          <ac:inkMkLst>
-            <pc:docMk/>
-            <pc:sldMk cId="2232161063" sldId="281"/>
-            <ac:inkMk id="10" creationId="{0DBEE789-6623-4AB2-ADC5-98E430E1CBAF}"/>
-          </ac:inkMkLst>
-        </pc:inkChg>
-        <pc:inkChg chg="add del">
-          <ac:chgData name="Antonio Osamu Katagiri Tanaka" userId="2c28225e-d492-4964-8551-1b0a3c65dda0" providerId="ADAL" clId="{329B512D-3474-403B-B217-DE713D6D5C19}" dt="2019-04-04T14:17:19.713" v="1973" actId="9405"/>
-          <ac:inkMkLst>
-            <pc:docMk/>
-            <pc:sldMk cId="2232161063" sldId="281"/>
-            <ac:inkMk id="11" creationId="{DFC9F2CA-5285-4A5C-9F5B-2525D84FA85B}"/>
-          </ac:inkMkLst>
-        </pc:inkChg>
-        <pc:inkChg chg="add del">
-          <ac:chgData name="Antonio Osamu Katagiri Tanaka" userId="2c28225e-d492-4964-8551-1b0a3c65dda0" providerId="ADAL" clId="{329B512D-3474-403B-B217-DE713D6D5C19}" dt="2019-04-04T14:17:11.940" v="1965"/>
-          <ac:inkMkLst>
-            <pc:docMk/>
-            <pc:sldMk cId="2232161063" sldId="281"/>
-            <ac:inkMk id="12" creationId="{70729EB8-D999-44DE-BD4B-AC2656488D0D}"/>
-          </ac:inkMkLst>
-        </pc:inkChg>
-        <pc:inkChg chg="add del">
-          <ac:chgData name="Antonio Osamu Katagiri Tanaka" userId="2c28225e-d492-4964-8551-1b0a3c65dda0" providerId="ADAL" clId="{329B512D-3474-403B-B217-DE713D6D5C19}" dt="2019-04-04T14:17:19.448" v="1972" actId="9405"/>
-          <ac:inkMkLst>
-            <pc:docMk/>
-            <pc:sldMk cId="2232161063" sldId="281"/>
-            <ac:inkMk id="13" creationId="{B5E4568C-A122-4752-BFD4-D01AB9477A90}"/>
-          </ac:inkMkLst>
-        </pc:inkChg>
-        <pc:inkChg chg="add del">
-          <ac:chgData name="Antonio Osamu Katagiri Tanaka" userId="2c28225e-d492-4964-8551-1b0a3c65dda0" providerId="ADAL" clId="{329B512D-3474-403B-B217-DE713D6D5C19}" dt="2019-04-04T14:17:14.340" v="1967"/>
-          <ac:inkMkLst>
-            <pc:docMk/>
-            <pc:sldMk cId="2232161063" sldId="281"/>
-            <ac:inkMk id="14" creationId="{B7C371AD-F542-4243-992B-83DE8682F6E8}"/>
-          </ac:inkMkLst>
-        </pc:inkChg>
-        <pc:inkChg chg="add del">
-          <ac:chgData name="Antonio Osamu Katagiri Tanaka" userId="2c28225e-d492-4964-8551-1b0a3c65dda0" providerId="ADAL" clId="{329B512D-3474-403B-B217-DE713D6D5C19}" dt="2019-04-04T14:17:19.102" v="1971" actId="9405"/>
-          <ac:inkMkLst>
-            <pc:docMk/>
-            <pc:sldMk cId="2232161063" sldId="281"/>
-            <ac:inkMk id="15" creationId="{CFB02AAB-6668-48F3-B426-4D9D0CC71014}"/>
-          </ac:inkMkLst>
-        </pc:inkChg>
-        <pc:inkChg chg="add del">
-          <ac:chgData name="Antonio Osamu Katagiri Tanaka" userId="2c28225e-d492-4964-8551-1b0a3c65dda0" providerId="ADAL" clId="{329B512D-3474-403B-B217-DE713D6D5C19}" dt="2019-04-04T14:17:17.351" v="1969"/>
-          <ac:inkMkLst>
-            <pc:docMk/>
-            <pc:sldMk cId="2232161063" sldId="281"/>
-            <ac:inkMk id="16" creationId="{F958836C-F4E8-4AF9-BD66-055A4B6A0328}"/>
-          </ac:inkMkLst>
-        </pc:inkChg>
-        <pc:inkChg chg="add del">
-          <ac:chgData name="Antonio Osamu Katagiri Tanaka" userId="2c28225e-d492-4964-8551-1b0a3c65dda0" providerId="ADAL" clId="{329B512D-3474-403B-B217-DE713D6D5C19}" dt="2019-04-04T14:17:18.869" v="1970" actId="9405"/>
-          <ac:inkMkLst>
-            <pc:docMk/>
-            <pc:sldMk cId="2232161063" sldId="281"/>
-            <ac:inkMk id="17" creationId="{381EC61D-F6A6-4D31-8DC8-0FDB22BF7969}"/>
-          </ac:inkMkLst>
-        </pc:inkChg>
-        <pc:inkChg chg="add">
-          <ac:chgData name="Antonio Osamu Katagiri Tanaka" userId="2c28225e-d492-4964-8551-1b0a3c65dda0" providerId="ADAL" clId="{329B512D-3474-403B-B217-DE713D6D5C19}" dt="2019-04-04T14:17:17.351" v="1969"/>
-          <ac:inkMkLst>
-            <pc:docMk/>
-            <pc:sldMk cId="2232161063" sldId="281"/>
-            <ac:inkMk id="18" creationId="{A82FD42E-7762-4781-B54C-6FC99285B972}"/>
-          </ac:inkMkLst>
-        </pc:inkChg>
-        <pc:inkChg chg="add">
-          <ac:chgData name="Antonio Osamu Katagiri Tanaka" userId="2c28225e-d492-4964-8551-1b0a3c65dda0" providerId="ADAL" clId="{329B512D-3474-403B-B217-DE713D6D5C19}" dt="2019-04-04T14:17:54.544" v="1976" actId="9405"/>
-          <ac:inkMkLst>
-            <pc:docMk/>
-            <pc:sldMk cId="2232161063" sldId="281"/>
-            <ac:inkMk id="19" creationId="{BAA549A7-2830-4ED6-A802-0791908B8068}"/>
-          </ac:inkMkLst>
-        </pc:inkChg>
+        <pc:picChg chg="del">
+          <ac:chgData name="Antonio Osamu Katagiri Tanaka" userId="2c28225e-d492-4964-8551-1b0a3c65dda0" providerId="ADAL" clId="{F57EC7D9-BC06-4F14-AB31-5FA9C495C528}" dt="2020-07-17T23:56:04.522" v="420" actId="478"/>
+          <ac:picMkLst>
+            <pc:docMk/>
+            <pc:sldMk cId="2619603012" sldId="284"/>
+            <ac:picMk id="5" creationId="{D3136563-E3BE-4780-BA85-A79EAE82B294}"/>
+          </ac:picMkLst>
+        </pc:picChg>
+        <pc:picChg chg="add del mod">
+          <ac:chgData name="Antonio Osamu Katagiri Tanaka" userId="2c28225e-d492-4964-8551-1b0a3c65dda0" providerId="ADAL" clId="{F57EC7D9-BC06-4F14-AB31-5FA9C495C528}" dt="2020-07-18T00:04:10.924" v="635" actId="1035"/>
+          <ac:picMkLst>
+            <pc:docMk/>
+            <pc:sldMk cId="2619603012" sldId="284"/>
+            <ac:picMk id="11" creationId="{08204BCB-BA1D-407C-A305-4B6881B49E5B}"/>
+          </ac:picMkLst>
+        </pc:picChg>
+        <pc:cxnChg chg="del">
+          <ac:chgData name="Antonio Osamu Katagiri Tanaka" userId="2c28225e-d492-4964-8551-1b0a3c65dda0" providerId="ADAL" clId="{F57EC7D9-BC06-4F14-AB31-5FA9C495C528}" dt="2020-07-17T23:56:08.894" v="422" actId="478"/>
+          <ac:cxnSpMkLst>
+            <pc:docMk/>
+            <pc:sldMk cId="2619603012" sldId="284"/>
+            <ac:cxnSpMk id="4" creationId="{4F22B315-CDA4-46A7-AB47-C51E1E383656}"/>
+          </ac:cxnSpMkLst>
+        </pc:cxnChg>
+        <pc:cxnChg chg="add mod">
+          <ac:chgData name="Antonio Osamu Katagiri Tanaka" userId="2c28225e-d492-4964-8551-1b0a3c65dda0" providerId="ADAL" clId="{F57EC7D9-BC06-4F14-AB31-5FA9C495C528}" dt="2020-07-17T23:57:39.577" v="446" actId="1076"/>
+          <ac:cxnSpMkLst>
+            <pc:docMk/>
+            <pc:sldMk cId="2619603012" sldId="284"/>
+            <ac:cxnSpMk id="7" creationId="{CB5476B5-EA88-491B-9037-FBCE208832C5}"/>
+          </ac:cxnSpMkLst>
+        </pc:cxnChg>
+        <pc:cxnChg chg="del">
+          <ac:chgData name="Antonio Osamu Katagiri Tanaka" userId="2c28225e-d492-4964-8551-1b0a3c65dda0" providerId="ADAL" clId="{F57EC7D9-BC06-4F14-AB31-5FA9C495C528}" dt="2020-07-17T23:56:08.894" v="422" actId="478"/>
+          <ac:cxnSpMkLst>
+            <pc:docMk/>
+            <pc:sldMk cId="2619603012" sldId="284"/>
+            <ac:cxnSpMk id="10" creationId="{B6BAB809-7055-4AB2-A912-06A800524C92}"/>
+          </ac:cxnSpMkLst>
+        </pc:cxnChg>
+        <pc:cxnChg chg="del">
+          <ac:chgData name="Antonio Osamu Katagiri Tanaka" userId="2c28225e-d492-4964-8551-1b0a3c65dda0" providerId="ADAL" clId="{F57EC7D9-BC06-4F14-AB31-5FA9C495C528}" dt="2020-07-17T23:56:08.894" v="422" actId="478"/>
+          <ac:cxnSpMkLst>
+            <pc:docMk/>
+            <pc:sldMk cId="2619603012" sldId="284"/>
+            <ac:cxnSpMk id="15" creationId="{F08446A3-158E-4205-AE86-985497425C9F}"/>
+          </ac:cxnSpMkLst>
+        </pc:cxnChg>
       </pc:sldChg>
     </pc:docChg>
   </pc:docChgLst>
@@ -1480,6 +1740,37 @@
     </pc:docChg>
   </pc:docChgLst>
   <pc:docChgLst>
+    <pc:chgData name="Guest User" userId="S::urn:spo:anon#2def14219f25c4668fa52ed000034fee284890de164423a4aa9c4b674c235c5c::" providerId="AD" clId="Web-{62635117-5A45-A4F1-4EA4-61C85AAC4230}"/>
+    <pc:docChg chg="modSld">
+      <pc:chgData name="Guest User" userId="S::urn:spo:anon#2def14219f25c4668fa52ed000034fee284890de164423a4aa9c4b674c235c5c::" providerId="AD" clId="Web-{62635117-5A45-A4F1-4EA4-61C85AAC4230}" dt="2020-07-17T22:53:08.219" v="112" actId="20577"/>
+      <pc:docMkLst>
+        <pc:docMk/>
+      </pc:docMkLst>
+      <pc:sldChg chg="modSp">
+        <pc:chgData name="Guest User" userId="S::urn:spo:anon#2def14219f25c4668fa52ed000034fee284890de164423a4aa9c4b674c235c5c::" providerId="AD" clId="Web-{62635117-5A45-A4F1-4EA4-61C85AAC4230}" dt="2020-07-17T22:53:05.750" v="110" actId="20577"/>
+        <pc:sldMkLst>
+          <pc:docMk/>
+          <pc:sldMk cId="3401248549" sldId="256"/>
+        </pc:sldMkLst>
+        <pc:spChg chg="mod">
+          <ac:chgData name="Guest User" userId="S::urn:spo:anon#2def14219f25c4668fa52ed000034fee284890de164423a4aa9c4b674c235c5c::" providerId="AD" clId="Web-{62635117-5A45-A4F1-4EA4-61C85AAC4230}" dt="2020-07-17T22:53:05.750" v="110" actId="20577"/>
+          <ac:spMkLst>
+            <pc:docMk/>
+            <pc:sldMk cId="3401248549" sldId="256"/>
+            <ac:spMk id="7" creationId="{8D0BEDFD-CE79-4A45-9ADE-72FBEA303FCC}"/>
+          </ac:spMkLst>
+        </pc:spChg>
+      </pc:sldChg>
+      <pc:sldChg chg="addCm">
+        <pc:chgData name="Guest User" userId="S::urn:spo:anon#2def14219f25c4668fa52ed000034fee284890de164423a4aa9c4b674c235c5c::" providerId="AD" clId="Web-{62635117-5A45-A4F1-4EA4-61C85AAC4230}" dt="2020-07-17T22:47:23.137" v="3"/>
+        <pc:sldMkLst>
+          <pc:docMk/>
+          <pc:sldMk cId="353711565" sldId="282"/>
+        </pc:sldMkLst>
+      </pc:sldChg>
+    </pc:docChg>
+  </pc:docChgLst>
+  <pc:docChgLst>
     <pc:chgData name="Antonio Osamu Katagiri Tanaka" userId="2c28225e-d492-4964-8551-1b0a3c65dda0" providerId="ADAL" clId="{A1255C39-2EFB-4D15-B143-B65097792378}"/>
     <pc:docChg chg="undo custSel addSld delSld modSld">
       <pc:chgData name="Antonio Osamu Katagiri Tanaka" userId="2c28225e-d492-4964-8551-1b0a3c65dda0" providerId="ADAL" clId="{A1255C39-2EFB-4D15-B143-B65097792378}" dt="2019-03-29T13:16:25.522" v="350" actId="20577"/>
@@ -1613,7 +1904,167 @@
       </pc:sldChg>
     </pc:docChg>
   </pc:docChgLst>
+  <pc:docChgLst>
+    <pc:chgData name="Guest User" userId="S::urn:spo:anon#2def14219f25c4668fa52ed000034fee284890de164423a4aa9c4b674c235c5c::" providerId="AD" clId="Web-{7ED640B9-A8B8-4E84-8E53-CD823F9E7430}"/>
+    <pc:docChg chg="modSld">
+      <pc:chgData name="Guest User" userId="S::urn:spo:anon#2def14219f25c4668fa52ed000034fee284890de164423a4aa9c4b674c235c5c::" providerId="AD" clId="Web-{7ED640B9-A8B8-4E84-8E53-CD823F9E7430}" dt="2020-07-17T22:53:39.035" v="205" actId="20577"/>
+      <pc:docMkLst>
+        <pc:docMk/>
+      </pc:docMkLst>
+      <pc:sldChg chg="modSp">
+        <pc:chgData name="Guest User" userId="S::urn:spo:anon#2def14219f25c4668fa52ed000034fee284890de164423a4aa9c4b674c235c5c::" providerId="AD" clId="Web-{7ED640B9-A8B8-4E84-8E53-CD823F9E7430}" dt="2020-07-17T22:53:39.035" v="204" actId="20577"/>
+        <pc:sldMkLst>
+          <pc:docMk/>
+          <pc:sldMk cId="3401248549" sldId="256"/>
+        </pc:sldMkLst>
+        <pc:spChg chg="mod">
+          <ac:chgData name="Guest User" userId="S::urn:spo:anon#2def14219f25c4668fa52ed000034fee284890de164423a4aa9c4b674c235c5c::" providerId="AD" clId="Web-{7ED640B9-A8B8-4E84-8E53-CD823F9E7430}" dt="2020-07-17T22:53:39.035" v="204" actId="20577"/>
+          <ac:spMkLst>
+            <pc:docMk/>
+            <pc:sldMk cId="3401248549" sldId="256"/>
+            <ac:spMk id="7" creationId="{8D0BEDFD-CE79-4A45-9ADE-72FBEA303FCC}"/>
+          </ac:spMkLst>
+        </pc:spChg>
+      </pc:sldChg>
+      <pc:sldChg chg="addCm">
+        <pc:chgData name="Guest User" userId="S::urn:spo:anon#2def14219f25c4668fa52ed000034fee284890de164423a4aa9c4b674c235c5c::" providerId="AD" clId="Web-{7ED640B9-A8B8-4E84-8E53-CD823F9E7430}" dt="2020-07-17T22:44:43.287" v="1"/>
+        <pc:sldMkLst>
+          <pc:docMk/>
+          <pc:sldMk cId="353711565" sldId="282"/>
+        </pc:sldMkLst>
+      </pc:sldChg>
+    </pc:docChg>
+  </pc:docChgLst>
+  <pc:docChgLst>
+    <pc:chgData name="Juan Jesús Rocha Cuervo" userId="S::a01752555@itesm.mx::32a37048-4a03-47f7-9db3-cd1d43644754" providerId="AD" clId="Web-{1FDFF5D1-764D-DFFF-037E-6C7EB7A8959A}"/>
+    <pc:docChg chg="addSld delSld modSld modSection">
+      <pc:chgData name="Juan Jesús Rocha Cuervo" userId="S::a01752555@itesm.mx::32a37048-4a03-47f7-9db3-cd1d43644754" providerId="AD" clId="Web-{1FDFF5D1-764D-DFFF-037E-6C7EB7A8959A}" dt="2020-07-17T23:58:15.851" v="171"/>
+      <pc:docMkLst>
+        <pc:docMk/>
+      </pc:docMkLst>
+      <pc:sldChg chg="modSp">
+        <pc:chgData name="Juan Jesús Rocha Cuervo" userId="S::a01752555@itesm.mx::32a37048-4a03-47f7-9db3-cd1d43644754" providerId="AD" clId="Web-{1FDFF5D1-764D-DFFF-037E-6C7EB7A8959A}" dt="2020-07-17T22:49:53.804" v="167" actId="20577"/>
+        <pc:sldMkLst>
+          <pc:docMk/>
+          <pc:sldMk cId="3401248549" sldId="256"/>
+        </pc:sldMkLst>
+        <pc:spChg chg="mod">
+          <ac:chgData name="Juan Jesús Rocha Cuervo" userId="S::a01752555@itesm.mx::32a37048-4a03-47f7-9db3-cd1d43644754" providerId="AD" clId="Web-{1FDFF5D1-764D-DFFF-037E-6C7EB7A8959A}" dt="2020-07-17T22:49:53.804" v="167" actId="20577"/>
+          <ac:spMkLst>
+            <pc:docMk/>
+            <pc:sldMk cId="3401248549" sldId="256"/>
+            <ac:spMk id="7" creationId="{8D0BEDFD-CE79-4A45-9ADE-72FBEA303FCC}"/>
+          </ac:spMkLst>
+        </pc:spChg>
+      </pc:sldChg>
+      <pc:sldChg chg="modSp new del">
+        <pc:chgData name="Juan Jesús Rocha Cuervo" userId="S::a01752555@itesm.mx::32a37048-4a03-47f7-9db3-cd1d43644754" providerId="AD" clId="Web-{1FDFF5D1-764D-DFFF-037E-6C7EB7A8959A}" dt="2020-07-17T22:49:56.398" v="169"/>
+        <pc:sldMkLst>
+          <pc:docMk/>
+          <pc:sldMk cId="496739467" sldId="283"/>
+        </pc:sldMkLst>
+        <pc:spChg chg="mod">
+          <ac:chgData name="Juan Jesús Rocha Cuervo" userId="S::a01752555@itesm.mx::32a37048-4a03-47f7-9db3-cd1d43644754" providerId="AD" clId="Web-{1FDFF5D1-764D-DFFF-037E-6C7EB7A8959A}" dt="2020-07-17T22:49:37.397" v="157" actId="20577"/>
+          <ac:spMkLst>
+            <pc:docMk/>
+            <pc:sldMk cId="496739467" sldId="283"/>
+            <ac:spMk id="3" creationId="{6ECAA0F6-43D6-4551-B4A1-0C0CD9F18645}"/>
+          </ac:spMkLst>
+        </pc:spChg>
+      </pc:sldChg>
+      <pc:sldChg chg="addSp delSp">
+        <pc:chgData name="Juan Jesús Rocha Cuervo" userId="S::a01752555@itesm.mx::32a37048-4a03-47f7-9db3-cd1d43644754" providerId="AD" clId="Web-{1FDFF5D1-764D-DFFF-037E-6C7EB7A8959A}" dt="2020-07-17T23:58:15.851" v="171"/>
+        <pc:sldMkLst>
+          <pc:docMk/>
+          <pc:sldMk cId="2619603012" sldId="284"/>
+        </pc:sldMkLst>
+        <pc:picChg chg="add del">
+          <ac:chgData name="Juan Jesús Rocha Cuervo" userId="S::a01752555@itesm.mx::32a37048-4a03-47f7-9db3-cd1d43644754" providerId="AD" clId="Web-{1FDFF5D1-764D-DFFF-037E-6C7EB7A8959A}" dt="2020-07-17T23:58:15.851" v="171"/>
+          <ac:picMkLst>
+            <pc:docMk/>
+            <pc:sldMk cId="2619603012" sldId="284"/>
+            <ac:picMk id="11" creationId="{08204BCB-BA1D-407C-A305-4B6881B49E5B}"/>
+          </ac:picMkLst>
+        </pc:picChg>
+      </pc:sldChg>
+    </pc:docChg>
+  </pc:docChgLst>
 </pc:chgInfo>
+</file>
+
+<file path=ppt/comments/comment1.xml><?xml version="1.0" encoding="utf-8"?>
+<p:cmLst xmlns:a="http://schemas.openxmlformats.org/drawingml/2006/main" xmlns:r="http://schemas.openxmlformats.org/officeDocument/2006/relationships" xmlns:p="http://schemas.openxmlformats.org/presentationml/2006/main">
+  <p:cm authorId="2" dt="2020-07-17T15:38:20.246" idx="1">
+    <p:pos x="7670" y="1123"/>
+    <p:text>Qué dice esta gráfica?
+</p:text>
+    <p:extLst>
+      <p:ext uri="{C676402C-5697-4E1C-873F-D02D1690AC5C}">
+        <p15:threadingInfo xmlns:p15="http://schemas.microsoft.com/office/powerpoint/2012/main" timeZoneBias="420"/>
+      </p:ext>
+    </p:extLst>
+  </p:cm>
+  <p:cm authorId="2" dt="2020-07-17T15:38:36.231" idx="2">
+    <p:pos x="7670" y="1219"/>
+    <p:text>La de la derecha...
+</p:text>
+    <p:extLst>
+      <p:ext uri="{C676402C-5697-4E1C-873F-D02D1690AC5C}">
+        <p15:threadingInfo xmlns:p15="http://schemas.microsoft.com/office/powerpoint/2012/main" timeZoneBias="420">
+          <p15:parentCm authorId="2" idx="1"/>
+        </p15:threadingInfo>
+      </p:ext>
+    </p:extLst>
+  </p:cm>
+  <p:cm authorId="2" dt="2020-07-17T15:44:36.803" idx="3">
+    <p:pos x="7670" y="1315"/>
+    <p:text>recovery compliance
+</p:text>
+    <p:extLst>
+      <p:ext uri="{C676402C-5697-4E1C-873F-D02D1690AC5C}">
+        <p15:threadingInfo xmlns:p15="http://schemas.microsoft.com/office/powerpoint/2012/main" timeZoneBias="420">
+          <p15:parentCm authorId="2" idx="1"/>
+        </p15:threadingInfo>
+      </p:ext>
+    </p:extLst>
+  </p:cm>
+  <p:cm authorId="2" dt="2020-07-17T15:44:43.287" idx="4">
+    <p:pos x="7670" y="1411"/>
+    <p:text>creo
+</p:text>
+    <p:extLst>
+      <p:ext uri="{C676402C-5697-4E1C-873F-D02D1690AC5C}">
+        <p15:threadingInfo xmlns:p15="http://schemas.microsoft.com/office/powerpoint/2012/main" timeZoneBias="420">
+          <p15:parentCm authorId="2" idx="1"/>
+        </p15:threadingInfo>
+      </p:ext>
+    </p:extLst>
+  </p:cm>
+  <p:cm authorId="2" dt="2020-07-17T15:46:45.103" idx="5">
+    <p:pos x="7670" y="1507"/>
+    <p:text>como que creen?
+</p:text>
+    <p:extLst>
+      <p:ext uri="{C676402C-5697-4E1C-873F-D02D1690AC5C}">
+        <p15:threadingInfo xmlns:p15="http://schemas.microsoft.com/office/powerpoint/2012/main" timeZoneBias="420">
+          <p15:parentCm authorId="2" idx="1"/>
+        </p15:threadingInfo>
+      </p:ext>
+    </p:extLst>
+  </p:cm>
+  <p:cm authorId="2" dt="2020-07-17T15:47:23.137" idx="6">
+    <p:pos x="7670" y="1603"/>
+    <p:text>es o no es? jajaj
+</p:text>
+    <p:extLst>
+      <p:ext uri="{C676402C-5697-4E1C-873F-D02D1690AC5C}">
+        <p15:threadingInfo xmlns:p15="http://schemas.microsoft.com/office/powerpoint/2012/main" timeZoneBias="420">
+          <p15:parentCm authorId="2" idx="1"/>
+        </p15:threadingInfo>
+      </p:ext>
+    </p:extLst>
+  </p:cm>
+</p:cmLst>
 </file>
 
 <file path=ppt/ink/ink1.xml><?xml version="1.0" encoding="utf-8"?>
@@ -2227,7 +2678,263 @@
     </p:spTree>
     <p:extLst>
       <p:ext uri="{BB962C8B-B14F-4D97-AF65-F5344CB8AC3E}">
+        <p14:creationId xmlns:p14="http://schemas.microsoft.com/office/powerpoint/2010/main" val="987032245"/>
+      </p:ext>
+    </p:extLst>
+  </p:cSld>
+  <p:clrMapOvr>
+    <a:masterClrMapping/>
+  </p:clrMapOvr>
+</p:notes>
+</file>
+
+<file path=ppt/notesSlides/notesSlide3.xml><?xml version="1.0" encoding="utf-8"?>
+<p:notes xmlns:a="http://schemas.openxmlformats.org/drawingml/2006/main" xmlns:r="http://schemas.openxmlformats.org/officeDocument/2006/relationships" xmlns:p="http://schemas.openxmlformats.org/presentationml/2006/main">
+  <p:cSld>
+    <p:spTree>
+      <p:nvGrpSpPr>
+        <p:cNvPr id="1" name=""/>
+        <p:cNvGrpSpPr/>
+        <p:nvPr/>
+      </p:nvGrpSpPr>
+      <p:grpSpPr>
+        <a:xfrm>
+          <a:off x="0" y="0"/>
+          <a:ext cx="0" cy="0"/>
+          <a:chOff x="0" y="0"/>
+          <a:chExt cx="0" cy="0"/>
+        </a:xfrm>
+      </p:grpSpPr>
+      <p:sp>
+        <p:nvSpPr>
+          <p:cNvPr id="2" name="Slide Image Placeholder 1"/>
+          <p:cNvSpPr>
+            <a:spLocks noGrp="1" noRot="1" noChangeAspect="1"/>
+          </p:cNvSpPr>
+          <p:nvPr>
+            <p:ph type="sldImg"/>
+          </p:nvPr>
+        </p:nvSpPr>
+        <p:spPr/>
+      </p:sp>
+      <p:sp>
+        <p:nvSpPr>
+          <p:cNvPr id="3" name="Notes Placeholder 2"/>
+          <p:cNvSpPr>
+            <a:spLocks noGrp="1"/>
+          </p:cNvSpPr>
+          <p:nvPr>
+            <p:ph type="body" idx="1"/>
+          </p:nvPr>
+        </p:nvSpPr>
+        <p:spPr/>
+        <p:txBody>
+          <a:bodyPr/>
+          <a:lstStyle/>
+          <a:p>
+            <a:r>
+              <a:rPr lang="en-GB" sz="1200" b="0" i="0" kern="1200">
+                <a:solidFill>
+                  <a:schemeClr val="tx1"/>
+                </a:solidFill>
+                <a:effectLst/>
+                <a:latin typeface="+mn-lt"/>
+                <a:ea typeface="+mn-ea"/>
+                <a:cs typeface="+mn-cs"/>
+              </a:rPr>
+              <a:t>In short, high peroxide concentrations accelerate </a:t>
+            </a:r>
+            <a:r>
+              <a:rPr lang="en-GB" sz="1200" b="0" i="0" kern="1200" err="1">
+                <a:solidFill>
+                  <a:schemeClr val="tx1"/>
+                </a:solidFill>
+                <a:effectLst/>
+                <a:latin typeface="+mn-lt"/>
+                <a:ea typeface="+mn-ea"/>
+                <a:cs typeface="+mn-cs"/>
+              </a:rPr>
+              <a:t>creepness</a:t>
+            </a:r>
+            <a:r>
+              <a:rPr lang="en-GB" sz="1200" b="0" i="0" kern="1200">
+                <a:solidFill>
+                  <a:schemeClr val="tx1"/>
+                </a:solidFill>
+                <a:effectLst/>
+                <a:latin typeface="+mn-lt"/>
+                <a:ea typeface="+mn-ea"/>
+                <a:cs typeface="+mn-cs"/>
+              </a:rPr>
+              <a:t> and harm recovery.</a:t>
+            </a:r>
+            <a:endParaRPr lang="en-GB"/>
+          </a:p>
+        </p:txBody>
+      </p:sp>
+      <p:sp>
+        <p:nvSpPr>
+          <p:cNvPr id="4" name="Slide Number Placeholder 3"/>
+          <p:cNvSpPr>
+            <a:spLocks noGrp="1"/>
+          </p:cNvSpPr>
+          <p:nvPr>
+            <p:ph type="sldNum" sz="quarter" idx="5"/>
+          </p:nvPr>
+        </p:nvSpPr>
+        <p:spPr/>
+        <p:txBody>
+          <a:bodyPr/>
+          <a:lstStyle/>
+          <a:p>
+            <a:fld id="{B3A8F86A-A3D1-4706-9131-90E1724D7948}" type="slidenum">
+              <a:rPr lang="en-GB" smtClean="0"/>
+              <a:t>4</a:t>
+            </a:fld>
+            <a:endParaRPr lang="en-GB"/>
+          </a:p>
+        </p:txBody>
+      </p:sp>
+    </p:spTree>
+    <p:extLst>
+      <p:ext uri="{BB962C8B-B14F-4D97-AF65-F5344CB8AC3E}">
         <p14:creationId xmlns:p14="http://schemas.microsoft.com/office/powerpoint/2010/main" val="3120998938"/>
+      </p:ext>
+    </p:extLst>
+  </p:cSld>
+  <p:clrMapOvr>
+    <a:masterClrMapping/>
+  </p:clrMapOvr>
+</p:notes>
+</file>
+
+<file path=ppt/notesSlides/notesSlide4.xml><?xml version="1.0" encoding="utf-8"?>
+<p:notes xmlns:a="http://schemas.openxmlformats.org/drawingml/2006/main" xmlns:r="http://schemas.openxmlformats.org/officeDocument/2006/relationships" xmlns:p="http://schemas.openxmlformats.org/presentationml/2006/main">
+  <p:cSld>
+    <p:spTree>
+      <p:nvGrpSpPr>
+        <p:cNvPr id="1" name=""/>
+        <p:cNvGrpSpPr/>
+        <p:nvPr/>
+      </p:nvGrpSpPr>
+      <p:grpSpPr>
+        <a:xfrm>
+          <a:off x="0" y="0"/>
+          <a:ext cx="0" cy="0"/>
+          <a:chOff x="0" y="0"/>
+          <a:chExt cx="0" cy="0"/>
+        </a:xfrm>
+      </p:grpSpPr>
+      <p:sp>
+        <p:nvSpPr>
+          <p:cNvPr id="2" name="Slide Image Placeholder 1"/>
+          <p:cNvSpPr>
+            <a:spLocks noGrp="1" noRot="1" noChangeAspect="1"/>
+          </p:cNvSpPr>
+          <p:nvPr>
+            <p:ph type="sldImg"/>
+          </p:nvPr>
+        </p:nvSpPr>
+        <p:spPr/>
+      </p:sp>
+      <p:sp>
+        <p:nvSpPr>
+          <p:cNvPr id="3" name="Notes Placeholder 2"/>
+          <p:cNvSpPr>
+            <a:spLocks noGrp="1"/>
+          </p:cNvSpPr>
+          <p:nvPr>
+            <p:ph type="body" idx="1"/>
+          </p:nvPr>
+        </p:nvSpPr>
+        <p:spPr/>
+        <p:txBody>
+          <a:bodyPr/>
+          <a:lstStyle/>
+          <a:p>
+            <a:r>
+              <a:rPr lang="en-GB" sz="1200" b="0" i="0" kern="1200">
+                <a:solidFill>
+                  <a:schemeClr val="tx1"/>
+                </a:solidFill>
+                <a:effectLst/>
+                <a:latin typeface="+mn-lt"/>
+                <a:ea typeface="+mn-ea"/>
+                <a:cs typeface="+mn-cs"/>
+              </a:rPr>
+              <a:t>Mn – number of chains of a given weight</a:t>
+            </a:r>
+          </a:p>
+          <a:p>
+            <a:r>
+              <a:rPr lang="en-GB" sz="1200" b="0" i="0" kern="1200">
+                <a:solidFill>
+                  <a:schemeClr val="tx1"/>
+                </a:solidFill>
+                <a:effectLst/>
+                <a:latin typeface="+mn-lt"/>
+                <a:ea typeface="+mn-ea"/>
+                <a:cs typeface="+mn-cs"/>
+              </a:rPr>
+              <a:t>Mw – amount of mass per chain</a:t>
+            </a:r>
+          </a:p>
+          <a:p>
+            <a:r>
+              <a:rPr lang="en-GB" sz="1200" b="0" i="0" kern="1200" err="1">
+                <a:solidFill>
+                  <a:schemeClr val="tx1"/>
+                </a:solidFill>
+                <a:effectLst/>
+                <a:latin typeface="+mn-lt"/>
+                <a:ea typeface="+mn-ea"/>
+                <a:cs typeface="+mn-cs"/>
+              </a:rPr>
+              <a:t>Mz</a:t>
+            </a:r>
+            <a:r>
+              <a:rPr lang="en-GB" sz="1200" b="0" i="0" kern="1200">
+                <a:solidFill>
+                  <a:schemeClr val="tx1"/>
+                </a:solidFill>
+                <a:effectLst/>
+                <a:latin typeface="+mn-lt"/>
+                <a:ea typeface="+mn-ea"/>
+                <a:cs typeface="+mn-cs"/>
+              </a:rPr>
+              <a:t> - </a:t>
+            </a:r>
+            <a:endParaRPr lang="en-GB"/>
+          </a:p>
+        </p:txBody>
+      </p:sp>
+      <p:sp>
+        <p:nvSpPr>
+          <p:cNvPr id="4" name="Slide Number Placeholder 3"/>
+          <p:cNvSpPr>
+            <a:spLocks noGrp="1"/>
+          </p:cNvSpPr>
+          <p:nvPr>
+            <p:ph type="sldNum" sz="quarter" idx="5"/>
+          </p:nvPr>
+        </p:nvSpPr>
+        <p:spPr/>
+        <p:txBody>
+          <a:bodyPr/>
+          <a:lstStyle/>
+          <a:p>
+            <a:fld id="{B3A8F86A-A3D1-4706-9131-90E1724D7948}" type="slidenum">
+              <a:rPr lang="en-GB" smtClean="0"/>
+              <a:t>5</a:t>
+            </a:fld>
+            <a:endParaRPr lang="en-GB"/>
+          </a:p>
+        </p:txBody>
+      </p:sp>
+    </p:spTree>
+    <p:extLst>
+      <p:ext uri="{BB962C8B-B14F-4D97-AF65-F5344CB8AC3E}">
+        <p14:creationId xmlns:p14="http://schemas.microsoft.com/office/powerpoint/2010/main" val="214042514"/>
       </p:ext>
     </p:extLst>
   </p:cSld>
@@ -5591,12 +6298,82 @@
         <p:spPr>
           <a:xfrm>
             <a:off x="0" y="3602038"/>
-            <a:ext cx="9931400" cy="1655762"/>
+            <a:ext cx="9931400" cy="1980126"/>
           </a:xfrm>
         </p:spPr>
         <p:txBody>
-          <a:bodyPr/>
+          <a:bodyPr vert="horz" lIns="91440" tIns="45720" rIns="91440" bIns="45720" rtlCol="0" anchor="t">
+            <a:normAutofit lnSpcReduction="10000"/>
+          </a:bodyPr>
           <a:lstStyle/>
+          <a:p>
+            <a:r>
+              <a:rPr lang="en-GB" sz="2000">
+                <a:solidFill>
+                  <a:schemeClr val="bg1">
+                    <a:lumMod val="95000"/>
+                  </a:schemeClr>
+                </a:solidFill>
+                <a:latin typeface="Arial Nova Light"/>
+              </a:rPr>
+              <a:t>Osamu Katagiri-Tanaka - A01212611@itesm.mx</a:t>
+            </a:r>
+            <a:endParaRPr lang="en-US" sz="2000">
+              <a:solidFill>
+                <a:schemeClr val="bg1">
+                  <a:lumMod val="95000"/>
+                </a:schemeClr>
+              </a:solidFill>
+              <a:latin typeface="Arial Nova Light"/>
+            </a:endParaRPr>
+          </a:p>
+          <a:p>
+            <a:r>
+              <a:rPr lang="en-US" sz="2000">
+                <a:solidFill>
+                  <a:schemeClr val="bg1">
+                    <a:lumMod val="95000"/>
+                  </a:schemeClr>
+                </a:solidFill>
+                <a:latin typeface="Arial Nova Light"/>
+              </a:rPr>
+              <a:t>Juan Jesús Rocha-Cuervo - A01752555@itesm.mx</a:t>
+            </a:r>
+            <a:endParaRPr lang="en-GB" sz="2000">
+              <a:solidFill>
+                <a:schemeClr val="bg1">
+                  <a:lumMod val="95000"/>
+                </a:schemeClr>
+              </a:solidFill>
+              <a:latin typeface="Arial Nova Light"/>
+            </a:endParaRPr>
+          </a:p>
+          <a:p>
+            <a:r>
+              <a:rPr lang="en-GB" sz="2000">
+                <a:solidFill>
+                  <a:schemeClr val="bg1">
+                    <a:lumMod val="95000"/>
+                  </a:schemeClr>
+                </a:solidFill>
+                <a:latin typeface="Arial Nova Light"/>
+              </a:rPr>
+              <a:t>Angel Villalba-Rodríguez - A00828035@itesm.mx</a:t>
+            </a:r>
+          </a:p>
+          <a:p>
+            <a:r>
+              <a:rPr lang="en-GB" sz="2000">
+                <a:solidFill>
+                  <a:schemeClr val="bg1">
+                    <a:lumMod val="95000"/>
+                  </a:schemeClr>
+                </a:solidFill>
+                <a:latin typeface="Arial Nova Light"/>
+              </a:rPr>
+              <a:t>Constanza Álvarez-López – A00829469@itesm.mmx</a:t>
+            </a:r>
+          </a:p>
           <a:p>
             <a:r>
               <a:rPr lang="en-GB">
@@ -5605,51 +6382,7 @@
                     <a:lumMod val="95000"/>
                   </a:schemeClr>
                 </a:solidFill>
-                <a:latin typeface="Arial Nova Light" panose="020B0604020202020204" pitchFamily="34" charset="0"/>
-              </a:rPr>
-              <a:t>Osamu Katagiri-Tanaka</a:t>
-            </a:r>
-            <a:br>
-              <a:rPr lang="en-GB">
-                <a:solidFill>
-                  <a:schemeClr val="bg1">
-                    <a:lumMod val="95000"/>
-                  </a:schemeClr>
-                </a:solidFill>
-                <a:latin typeface="Arial Nova Light" panose="020B0604020202020204" pitchFamily="34" charset="0"/>
-              </a:rPr>
-            </a:br>
-            <a:r>
-              <a:rPr lang="en-GB" sz="2000">
-                <a:solidFill>
-                  <a:schemeClr val="bg1">
-                    <a:lumMod val="95000"/>
-                  </a:schemeClr>
-                </a:solidFill>
-                <a:latin typeface="Arial Nova Light" panose="020B0604020202020204" pitchFamily="34" charset="0"/>
-              </a:rPr>
-              <a:t>A01212611@itesm.mx</a:t>
-            </a:r>
-          </a:p>
-          <a:p>
-            <a:endParaRPr lang="en-GB">
-              <a:solidFill>
-                <a:schemeClr val="bg1">
-                  <a:lumMod val="95000"/>
-                </a:schemeClr>
-              </a:solidFill>
-              <a:latin typeface="Arial Nova Light" panose="020B0604020202020204" pitchFamily="34" charset="0"/>
-            </a:endParaRPr>
-          </a:p>
-          <a:p>
-            <a:r>
-              <a:rPr lang="en-GB">
-                <a:solidFill>
-                  <a:schemeClr val="bg1">
-                    <a:lumMod val="95000"/>
-                  </a:schemeClr>
-                </a:solidFill>
-                <a:latin typeface="Arial Nova Light" panose="020B0604020202020204" pitchFamily="34" charset="0"/>
+                <a:latin typeface="Arial Nova Light"/>
               </a:rPr>
               <a:t>17 Jul 2020</a:t>
             </a:r>
@@ -5752,7 +6485,7 @@
         <p:spPr>
           <a:xfrm>
             <a:off x="942833" y="0"/>
-            <a:ext cx="11242960" cy="2677656"/>
+            <a:ext cx="11242960" cy="2492990"/>
           </a:xfrm>
           <a:prstGeom prst="rect">
             <a:avLst/>
@@ -5765,7 +6498,7 @@
           <a:lstStyle/>
           <a:p>
             <a:r>
-              <a:rPr lang="en-GB" sz="2800">
+              <a:rPr lang="en-GB" sz="3600">
                 <a:solidFill>
                   <a:schemeClr val="bg1">
                     <a:lumMod val="95000"/>
@@ -5775,6 +6508,16 @@
               </a:rPr>
               <a:t>Effect of peroxides in controlled-rheology polypropylene (CRPP)</a:t>
             </a:r>
+          </a:p>
+          <a:p>
+            <a:endParaRPr lang="en-GB" sz="2800">
+              <a:solidFill>
+                <a:schemeClr val="bg1">
+                  <a:lumMod val="95000"/>
+                </a:schemeClr>
+              </a:solidFill>
+              <a:latin typeface="Arial Nova Light" panose="020B0304020202020204" pitchFamily="34" charset="0"/>
+            </a:endParaRPr>
           </a:p>
           <a:p>
             <a:r>
@@ -5820,105 +6563,6 @@
               <a:t>attack the polymeric chains</a:t>
             </a:r>
           </a:p>
-          <a:p>
-            <a:r>
-              <a:rPr lang="en-GB" sz="2800">
-                <a:solidFill>
-                  <a:schemeClr val="bg1">
-                    <a:lumMod val="95000"/>
-                  </a:schemeClr>
-                </a:solidFill>
-                <a:latin typeface="Arial Nova Light" panose="020B0304020202020204" pitchFamily="34" charset="0"/>
-              </a:rPr>
-              <a:t> 3) the increase of the number of broken chains:</a:t>
-            </a:r>
-          </a:p>
-          <a:p>
-            <a:r>
-              <a:rPr lang="en-GB" sz="2800">
-                <a:solidFill>
-                  <a:schemeClr val="bg1">
-                    <a:lumMod val="95000"/>
-                  </a:schemeClr>
-                </a:solidFill>
-                <a:latin typeface="Arial Nova Light" panose="020B0304020202020204" pitchFamily="34" charset="0"/>
-              </a:rPr>
-              <a:t>     a) </a:t>
-            </a:r>
-            <a:r>
-              <a:rPr lang="en-GB" sz="2800" b="1">
-                <a:solidFill>
-                  <a:schemeClr val="accent4"/>
-                </a:solidFill>
-                <a:latin typeface="Arial Nova Light" panose="020B0304020202020204" pitchFamily="34" charset="0"/>
-              </a:rPr>
-              <a:t>decreases</a:t>
-            </a:r>
-            <a:r>
-              <a:rPr lang="en-GB" sz="2800">
-                <a:solidFill>
-                  <a:schemeClr val="bg1">
-                    <a:lumMod val="95000"/>
-                  </a:schemeClr>
-                </a:solidFill>
-                <a:latin typeface="Arial Nova Light" panose="020B0304020202020204" pitchFamily="34" charset="0"/>
-              </a:rPr>
-              <a:t> the average molecular weight (</a:t>
-            </a:r>
-            <a:r>
-              <a:rPr lang="en-GB" sz="2800" b="1">
-                <a:solidFill>
-                  <a:schemeClr val="accent4"/>
-                </a:solidFill>
-                <a:latin typeface="Arial Nova Light" panose="020B0304020202020204" pitchFamily="34" charset="0"/>
-              </a:rPr>
-              <a:t>Mw</a:t>
-            </a:r>
-            <a:r>
-              <a:rPr lang="en-GB" sz="2800">
-                <a:solidFill>
-                  <a:schemeClr val="bg1">
-                    <a:lumMod val="95000"/>
-                  </a:schemeClr>
-                </a:solidFill>
-                <a:latin typeface="Arial Nova Light" panose="020B0304020202020204" pitchFamily="34" charset="0"/>
-              </a:rPr>
-              <a:t>), and</a:t>
-            </a:r>
-          </a:p>
-          <a:p>
-            <a:r>
-              <a:rPr lang="en-GB" sz="2800">
-                <a:solidFill>
-                  <a:schemeClr val="bg1">
-                    <a:lumMod val="95000"/>
-                  </a:schemeClr>
-                </a:solidFill>
-                <a:latin typeface="Arial Nova Light" panose="020B0304020202020204" pitchFamily="34" charset="0"/>
-              </a:rPr>
-              <a:t>     b) </a:t>
-            </a:r>
-            <a:r>
-              <a:rPr lang="en-GB" sz="2800" b="1">
-                <a:solidFill>
-                  <a:schemeClr val="accent4"/>
-                </a:solidFill>
-                <a:latin typeface="Arial Nova Light" panose="020B0304020202020204" pitchFamily="34" charset="0"/>
-              </a:rPr>
-              <a:t>narrows the MWD</a:t>
-            </a:r>
-            <a:r>
-              <a:rPr lang="en-GB" sz="2800">
-                <a:solidFill>
-                  <a:schemeClr val="bg1">
-                    <a:lumMod val="95000"/>
-                  </a:schemeClr>
-                </a:solidFill>
-                <a:latin typeface="Arial Nova Light" panose="020B0304020202020204" pitchFamily="34" charset="0"/>
-              </a:rPr>
-              <a:t>.</a:t>
-            </a:r>
-          </a:p>
         </p:txBody>
       </p:sp>
       <p:sp>
@@ -5952,10 +6596,10 @@
       </p:sp>
       <p:pic>
         <p:nvPicPr>
-          <p:cNvPr id="5" name="Picture 4">
-            <a:extLst>
-              <a:ext uri="{FF2B5EF4-FFF2-40B4-BE49-F238E27FC236}">
-                <a16:creationId xmlns:a16="http://schemas.microsoft.com/office/drawing/2014/main" id="{D3136563-E3BE-4780-BA85-A79EAE82B294}"/>
+          <p:cNvPr id="16" name="Picture 15">
+            <a:extLst>
+              <a:ext uri="{FF2B5EF4-FFF2-40B4-BE49-F238E27FC236}">
+                <a16:creationId xmlns:a16="http://schemas.microsoft.com/office/drawing/2014/main" id="{C87454A3-38B3-4ECA-981F-77E5CF976BD1}"/>
               </a:ext>
             </a:extLst>
           </p:cNvPr>
@@ -5972,74 +6616,125 @@
         </p:blipFill>
         <p:spPr>
           <a:xfrm>
-            <a:off x="3624862" y="2805159"/>
-            <a:ext cx="5878902" cy="3165562"/>
+            <a:off x="5449732" y="2492990"/>
+            <a:ext cx="2229161" cy="419158"/>
           </a:xfrm>
           <a:prstGeom prst="rect">
             <a:avLst/>
           </a:prstGeom>
         </p:spPr>
       </p:pic>
-      <p:sp>
-        <p:nvSpPr>
-          <p:cNvPr id="8" name="Rectangle 7">
-            <a:extLst>
-              <a:ext uri="{FF2B5EF4-FFF2-40B4-BE49-F238E27FC236}">
-                <a16:creationId xmlns:a16="http://schemas.microsoft.com/office/drawing/2014/main" id="{39F4C7EF-7388-4169-8FD4-19FFBA3F58C0}"/>
-              </a:ext>
-            </a:extLst>
-          </p:cNvPr>
-          <p:cNvSpPr/>
+      <p:pic>
+        <p:nvPicPr>
+          <p:cNvPr id="17" name="Picture 16">
+            <a:extLst>
+              <a:ext uri="{FF2B5EF4-FFF2-40B4-BE49-F238E27FC236}">
+                <a16:creationId xmlns:a16="http://schemas.microsoft.com/office/drawing/2014/main" id="{D5207A1E-EB85-457A-84DA-8430622CC50E}"/>
+              </a:ext>
+            </a:extLst>
+          </p:cNvPr>
+          <p:cNvPicPr>
+            <a:picLocks noChangeAspect="1"/>
+          </p:cNvPicPr>
           <p:nvPr/>
-        </p:nvSpPr>
+        </p:nvPicPr>
+        <p:blipFill>
+          <a:blip r:embed="rId4"/>
+          <a:stretch>
+            <a:fillRect/>
+          </a:stretch>
+        </p:blipFill>
         <p:spPr>
           <a:xfrm>
-            <a:off x="6671174" y="3794051"/>
-            <a:ext cx="501730" cy="400110"/>
+            <a:off x="2515623" y="3108729"/>
+            <a:ext cx="4048690" cy="1771897"/>
           </a:xfrm>
           <a:prstGeom prst="rect">
             <a:avLst/>
           </a:prstGeom>
         </p:spPr>
-        <p:txBody>
-          <a:bodyPr wrap="square">
-            <a:spAutoFit/>
-          </a:bodyPr>
-          <a:lstStyle/>
-          <a:p>
-            <a:r>
-              <a:rPr lang="en-GB" sz="2000" b="1">
-                <a:solidFill>
-                  <a:srgbClr val="002060"/>
-                </a:solidFill>
-                <a:latin typeface="Arial Nova Light" panose="020B0304020202020204" pitchFamily="34" charset="0"/>
-              </a:rPr>
-              <a:t>PP</a:t>
-            </a:r>
-          </a:p>
-        </p:txBody>
-      </p:sp>
-      <p:sp>
-        <p:nvSpPr>
-          <p:cNvPr id="9" name="Rectangle 8">
-            <a:extLst>
-              <a:ext uri="{FF2B5EF4-FFF2-40B4-BE49-F238E27FC236}">
-                <a16:creationId xmlns:a16="http://schemas.microsoft.com/office/drawing/2014/main" id="{EDBE2843-2706-420B-AC64-428082AD6A50}"/>
-              </a:ext>
-            </a:extLst>
-          </p:cNvPr>
-          <p:cNvSpPr/>
+      </p:pic>
+      <p:pic>
+        <p:nvPicPr>
+          <p:cNvPr id="18" name="Picture 17">
+            <a:extLst>
+              <a:ext uri="{FF2B5EF4-FFF2-40B4-BE49-F238E27FC236}">
+                <a16:creationId xmlns:a16="http://schemas.microsoft.com/office/drawing/2014/main" id="{798806F0-1896-4FFF-B249-3C97092C0C88}"/>
+              </a:ext>
+            </a:extLst>
+          </p:cNvPr>
+          <p:cNvPicPr>
+            <a:picLocks noChangeAspect="1"/>
+          </p:cNvPicPr>
           <p:nvPr/>
-        </p:nvSpPr>
+        </p:nvPicPr>
+        <p:blipFill>
+          <a:blip r:embed="rId5"/>
+          <a:stretch>
+            <a:fillRect/>
+          </a:stretch>
+        </p:blipFill>
         <p:spPr>
           <a:xfrm>
-            <a:off x="5979381" y="3028890"/>
-            <a:ext cx="869236" cy="400110"/>
+            <a:off x="6564313" y="3108728"/>
+            <a:ext cx="3943900" cy="1771897"/>
           </a:xfrm>
           <a:prstGeom prst="rect">
             <a:avLst/>
           </a:prstGeom>
         </p:spPr>
+      </p:pic>
+      <p:pic>
+        <p:nvPicPr>
+          <p:cNvPr id="19" name="Picture 18">
+            <a:extLst>
+              <a:ext uri="{FF2B5EF4-FFF2-40B4-BE49-F238E27FC236}">
+                <a16:creationId xmlns:a16="http://schemas.microsoft.com/office/drawing/2014/main" id="{0DB25E44-AD07-4546-8BEA-7408B451BE72}"/>
+              </a:ext>
+            </a:extLst>
+          </p:cNvPr>
+          <p:cNvPicPr>
+            <a:picLocks noChangeAspect="1"/>
+          </p:cNvPicPr>
+          <p:nvPr/>
+        </p:nvPicPr>
+        <p:blipFill>
+          <a:blip r:embed="rId6"/>
+          <a:stretch>
+            <a:fillRect/>
+          </a:stretch>
+        </p:blipFill>
+        <p:spPr>
+          <a:xfrm>
+            <a:off x="5144889" y="5100353"/>
+            <a:ext cx="2838846" cy="1305107"/>
+          </a:xfrm>
+          <a:prstGeom prst="rect">
+            <a:avLst/>
+          </a:prstGeom>
+        </p:spPr>
+      </p:pic>
+      <p:sp>
+        <p:nvSpPr>
+          <p:cNvPr id="20" name="Rectangle 19">
+            <a:extLst>
+              <a:ext uri="{FF2B5EF4-FFF2-40B4-BE49-F238E27FC236}">
+                <a16:creationId xmlns:a16="http://schemas.microsoft.com/office/drawing/2014/main" id="{86DFC50E-1521-4CDD-825D-7C1EA82C5D6D}"/>
+              </a:ext>
+            </a:extLst>
+          </p:cNvPr>
+          <p:cNvSpPr/>
+          <p:nvPr/>
+        </p:nvSpPr>
+        <p:spPr>
+          <a:xfrm>
+            <a:off x="942833" y="6427113"/>
+            <a:ext cx="10730611" cy="430887"/>
+          </a:xfrm>
+          <a:prstGeom prst="rect">
+            <a:avLst/>
+          </a:prstGeom>
+        </p:spPr>
         <p:txBody>
           <a:bodyPr wrap="square">
             <a:spAutoFit/>
@@ -6047,13 +6742,37 @@
           <a:lstStyle/>
           <a:p>
             <a:r>
-              <a:rPr lang="en-GB" sz="2000" b="1">
+              <a:rPr lang="en-GB" sz="1100">
                 <a:solidFill>
-                  <a:srgbClr val="002060"/>
+                  <a:schemeClr val="bg1">
+                    <a:lumMod val="95000"/>
+                  </a:schemeClr>
                 </a:solidFill>
                 <a:latin typeface="Arial Nova Light" panose="020B0304020202020204" pitchFamily="34" charset="0"/>
               </a:rPr>
-              <a:t>CRPP</a:t>
+              <a:t>J. Bonilla-</a:t>
+            </a:r>
+            <a:r>
+              <a:rPr lang="en-GB" sz="1100" err="1">
+                <a:solidFill>
+                  <a:schemeClr val="bg1">
+                    <a:lumMod val="95000"/>
+                  </a:schemeClr>
+                </a:solidFill>
+                <a:latin typeface="Arial Nova Light" panose="020B0304020202020204" pitchFamily="34" charset="0"/>
+              </a:rPr>
+              <a:t>rios</a:t>
+            </a:r>
+            <a:r>
+              <a:rPr lang="en-GB" sz="1100">
+                <a:solidFill>
+                  <a:schemeClr val="bg1">
+                    <a:lumMod val="95000"/>
+                  </a:schemeClr>
+                </a:solidFill>
+                <a:latin typeface="Arial Nova Light" panose="020B0304020202020204" pitchFamily="34" charset="0"/>
+              </a:rPr>
+              <a:t>, R. Darby, J. M. Sosa, A STOCHASTIC MODEL FOR THE PREDICTION OF THE MOLECULAR WEIGHT DISTRIBUTION OF (CONTROLLED RHEOLOGY) PEROXIDE DEGRADED POLYPROPYLENE, in: ANTEC 95, Annual Technical Conference of the Society of Plastics Engineers, 1995: pp. 1630–1634.</a:t>
             </a:r>
           </a:p>
         </p:txBody>
@@ -6103,6 +6822,430 @@
         <p:spPr>
           <a:xfrm>
             <a:off x="942833" y="0"/>
+            <a:ext cx="11242960" cy="1815882"/>
+          </a:xfrm>
+          <a:prstGeom prst="rect">
+            <a:avLst/>
+          </a:prstGeom>
+        </p:spPr>
+        <p:txBody>
+          <a:bodyPr wrap="square">
+            <a:spAutoFit/>
+          </a:bodyPr>
+          <a:lstStyle/>
+          <a:p>
+            <a:endParaRPr lang="en-GB" sz="2800">
+              <a:solidFill>
+                <a:schemeClr val="bg1">
+                  <a:lumMod val="95000"/>
+                </a:schemeClr>
+              </a:solidFill>
+              <a:latin typeface="Arial Nova Light" panose="020B0304020202020204" pitchFamily="34" charset="0"/>
+            </a:endParaRPr>
+          </a:p>
+          <a:p>
+            <a:r>
+              <a:rPr lang="en-GB" sz="2800">
+                <a:solidFill>
+                  <a:schemeClr val="bg1">
+                    <a:lumMod val="95000"/>
+                  </a:schemeClr>
+                </a:solidFill>
+                <a:latin typeface="Arial Nova Light" panose="020B0304020202020204" pitchFamily="34" charset="0"/>
+              </a:rPr>
+              <a:t>3) the increase of the number of broken chains:</a:t>
+            </a:r>
+          </a:p>
+          <a:p>
+            <a:r>
+              <a:rPr lang="en-GB" sz="2800">
+                <a:solidFill>
+                  <a:schemeClr val="bg1">
+                    <a:lumMod val="95000"/>
+                  </a:schemeClr>
+                </a:solidFill>
+                <a:latin typeface="Arial Nova Light" panose="020B0304020202020204" pitchFamily="34" charset="0"/>
+              </a:rPr>
+              <a:t>     a) </a:t>
+            </a:r>
+            <a:r>
+              <a:rPr lang="en-GB" sz="2800" b="1">
+                <a:solidFill>
+                  <a:schemeClr val="accent4"/>
+                </a:solidFill>
+                <a:latin typeface="Arial Nova Light" panose="020B0304020202020204" pitchFamily="34" charset="0"/>
+              </a:rPr>
+              <a:t>decreases</a:t>
+            </a:r>
+            <a:r>
+              <a:rPr lang="en-GB" sz="2800">
+                <a:solidFill>
+                  <a:schemeClr val="bg1">
+                    <a:lumMod val="95000"/>
+                  </a:schemeClr>
+                </a:solidFill>
+                <a:latin typeface="Arial Nova Light" panose="020B0304020202020204" pitchFamily="34" charset="0"/>
+              </a:rPr>
+              <a:t> the average molecular weight (</a:t>
+            </a:r>
+            <a:r>
+              <a:rPr lang="en-GB" sz="2800" b="1">
+                <a:solidFill>
+                  <a:schemeClr val="accent4"/>
+                </a:solidFill>
+                <a:latin typeface="Arial Nova Light" panose="020B0304020202020204" pitchFamily="34" charset="0"/>
+              </a:rPr>
+              <a:t>Mw</a:t>
+            </a:r>
+            <a:r>
+              <a:rPr lang="en-GB" sz="2800">
+                <a:solidFill>
+                  <a:schemeClr val="bg1">
+                    <a:lumMod val="95000"/>
+                  </a:schemeClr>
+                </a:solidFill>
+                <a:latin typeface="Arial Nova Light" panose="020B0304020202020204" pitchFamily="34" charset="0"/>
+              </a:rPr>
+              <a:t>), and</a:t>
+            </a:r>
+          </a:p>
+          <a:p>
+            <a:r>
+              <a:rPr lang="en-GB" sz="2800">
+                <a:solidFill>
+                  <a:schemeClr val="bg1">
+                    <a:lumMod val="95000"/>
+                  </a:schemeClr>
+                </a:solidFill>
+                <a:latin typeface="Arial Nova Light" panose="020B0304020202020204" pitchFamily="34" charset="0"/>
+              </a:rPr>
+              <a:t>     b) </a:t>
+            </a:r>
+            <a:r>
+              <a:rPr lang="en-GB" sz="2800" b="1">
+                <a:solidFill>
+                  <a:schemeClr val="accent4"/>
+                </a:solidFill>
+                <a:latin typeface="Arial Nova Light" panose="020B0304020202020204" pitchFamily="34" charset="0"/>
+              </a:rPr>
+              <a:t>narrows the MWD</a:t>
+            </a:r>
+            <a:r>
+              <a:rPr lang="en-GB" sz="2800">
+                <a:solidFill>
+                  <a:schemeClr val="bg1">
+                    <a:lumMod val="95000"/>
+                  </a:schemeClr>
+                </a:solidFill>
+                <a:latin typeface="Arial Nova Light" panose="020B0304020202020204" pitchFamily="34" charset="0"/>
+              </a:rPr>
+              <a:t>.</a:t>
+            </a:r>
+          </a:p>
+        </p:txBody>
+      </p:sp>
+      <p:sp>
+        <p:nvSpPr>
+          <p:cNvPr id="2" name="Slide Number Placeholder 1">
+            <a:extLst>
+              <a:ext uri="{FF2B5EF4-FFF2-40B4-BE49-F238E27FC236}">
+                <a16:creationId xmlns:a16="http://schemas.microsoft.com/office/drawing/2014/main" id="{FF8B1EDC-6C77-4197-B6C2-2D602679E956}"/>
+              </a:ext>
+            </a:extLst>
+          </p:cNvPr>
+          <p:cNvSpPr>
+            <a:spLocks noGrp="1"/>
+          </p:cNvSpPr>
+          <p:nvPr>
+            <p:ph type="sldNum" sz="quarter" idx="12"/>
+          </p:nvPr>
+        </p:nvSpPr>
+        <p:spPr/>
+        <p:txBody>
+          <a:bodyPr/>
+          <a:lstStyle/>
+          <a:p>
+            <a:fld id="{44F922D5-DBBB-4193-BE70-B740CC9842E5}" type="slidenum">
+              <a:rPr lang="en-GB" smtClean="0"/>
+              <a:t>3</a:t>
+            </a:fld>
+            <a:endParaRPr lang="en-GB"/>
+          </a:p>
+        </p:txBody>
+      </p:sp>
+      <p:pic>
+        <p:nvPicPr>
+          <p:cNvPr id="5" name="Picture 4">
+            <a:extLst>
+              <a:ext uri="{FF2B5EF4-FFF2-40B4-BE49-F238E27FC236}">
+                <a16:creationId xmlns:a16="http://schemas.microsoft.com/office/drawing/2014/main" id="{D3136563-E3BE-4780-BA85-A79EAE82B294}"/>
+              </a:ext>
+            </a:extLst>
+          </p:cNvPr>
+          <p:cNvPicPr>
+            <a:picLocks noChangeAspect="1"/>
+          </p:cNvPicPr>
+          <p:nvPr/>
+        </p:nvPicPr>
+        <p:blipFill>
+          <a:blip r:embed="rId3"/>
+          <a:stretch>
+            <a:fillRect/>
+          </a:stretch>
+        </p:blipFill>
+        <p:spPr>
+          <a:xfrm>
+            <a:off x="2664507" y="2050475"/>
+            <a:ext cx="7799612" cy="4199790"/>
+          </a:xfrm>
+          <a:prstGeom prst="rect">
+            <a:avLst/>
+          </a:prstGeom>
+        </p:spPr>
+      </p:pic>
+      <p:sp>
+        <p:nvSpPr>
+          <p:cNvPr id="8" name="Rectangle 7">
+            <a:extLst>
+              <a:ext uri="{FF2B5EF4-FFF2-40B4-BE49-F238E27FC236}">
+                <a16:creationId xmlns:a16="http://schemas.microsoft.com/office/drawing/2014/main" id="{39F4C7EF-7388-4169-8FD4-19FFBA3F58C0}"/>
+              </a:ext>
+            </a:extLst>
+          </p:cNvPr>
+          <p:cNvSpPr/>
+          <p:nvPr/>
+        </p:nvSpPr>
+        <p:spPr>
+          <a:xfrm>
+            <a:off x="6748066" y="3301200"/>
+            <a:ext cx="501730" cy="400110"/>
+          </a:xfrm>
+          <a:prstGeom prst="rect">
+            <a:avLst/>
+          </a:prstGeom>
+        </p:spPr>
+        <p:txBody>
+          <a:bodyPr wrap="square">
+            <a:spAutoFit/>
+          </a:bodyPr>
+          <a:lstStyle/>
+          <a:p>
+            <a:r>
+              <a:rPr lang="en-GB" sz="2000" b="1">
+                <a:solidFill>
+                  <a:srgbClr val="002060"/>
+                </a:solidFill>
+                <a:latin typeface="Arial Nova Light" panose="020B0304020202020204" pitchFamily="34" charset="0"/>
+              </a:rPr>
+              <a:t>PP</a:t>
+            </a:r>
+          </a:p>
+        </p:txBody>
+      </p:sp>
+      <p:sp>
+        <p:nvSpPr>
+          <p:cNvPr id="9" name="Rectangle 8">
+            <a:extLst>
+              <a:ext uri="{FF2B5EF4-FFF2-40B4-BE49-F238E27FC236}">
+                <a16:creationId xmlns:a16="http://schemas.microsoft.com/office/drawing/2014/main" id="{EDBE2843-2706-420B-AC64-428082AD6A50}"/>
+              </a:ext>
+            </a:extLst>
+          </p:cNvPr>
+          <p:cNvSpPr/>
+          <p:nvPr/>
+        </p:nvSpPr>
+        <p:spPr>
+          <a:xfrm>
+            <a:off x="6129695" y="2436196"/>
+            <a:ext cx="869236" cy="400110"/>
+          </a:xfrm>
+          <a:prstGeom prst="rect">
+            <a:avLst/>
+          </a:prstGeom>
+        </p:spPr>
+        <p:txBody>
+          <a:bodyPr wrap="square">
+            <a:spAutoFit/>
+          </a:bodyPr>
+          <a:lstStyle/>
+          <a:p>
+            <a:r>
+              <a:rPr lang="en-GB" sz="2000" b="1">
+                <a:solidFill>
+                  <a:srgbClr val="002060"/>
+                </a:solidFill>
+                <a:latin typeface="Arial Nova Light" panose="020B0304020202020204" pitchFamily="34" charset="0"/>
+              </a:rPr>
+              <a:t>CRPP</a:t>
+            </a:r>
+          </a:p>
+        </p:txBody>
+      </p:sp>
+      <p:cxnSp>
+        <p:nvCxnSpPr>
+          <p:cNvPr id="4" name="Straight Arrow Connector 3">
+            <a:extLst>
+              <a:ext uri="{FF2B5EF4-FFF2-40B4-BE49-F238E27FC236}">
+                <a16:creationId xmlns:a16="http://schemas.microsoft.com/office/drawing/2014/main" id="{4F22B315-CDA4-46A7-AB47-C51E1E383656}"/>
+              </a:ext>
+            </a:extLst>
+          </p:cNvPr>
+          <p:cNvCxnSpPr>
+            <a:cxnSpLocks/>
+          </p:cNvCxnSpPr>
+          <p:nvPr/>
+        </p:nvCxnSpPr>
+        <p:spPr>
+          <a:xfrm flipH="1">
+            <a:off x="6748065" y="5601339"/>
+            <a:ext cx="250866" cy="0"/>
+          </a:xfrm>
+          <a:prstGeom prst="straightConnector1">
+            <a:avLst/>
+          </a:prstGeom>
+          <a:ln w="60325">
+            <a:solidFill>
+              <a:schemeClr val="tx2"/>
+            </a:solidFill>
+            <a:tailEnd type="triangle"/>
+          </a:ln>
+        </p:spPr>
+        <p:style>
+          <a:lnRef idx="1">
+            <a:schemeClr val="accent1"/>
+          </a:lnRef>
+          <a:fillRef idx="0">
+            <a:schemeClr val="accent1"/>
+          </a:fillRef>
+          <a:effectRef idx="0">
+            <a:schemeClr val="accent1"/>
+          </a:effectRef>
+          <a:fontRef idx="minor">
+            <a:schemeClr val="tx1"/>
+          </a:fontRef>
+        </p:style>
+      </p:cxnSp>
+      <p:cxnSp>
+        <p:nvCxnSpPr>
+          <p:cNvPr id="10" name="Straight Connector 9">
+            <a:extLst>
+              <a:ext uri="{FF2B5EF4-FFF2-40B4-BE49-F238E27FC236}">
+                <a16:creationId xmlns:a16="http://schemas.microsoft.com/office/drawing/2014/main" id="{B6BAB809-7055-4AB2-A912-06A800524C92}"/>
+              </a:ext>
+            </a:extLst>
+          </p:cNvPr>
+          <p:cNvCxnSpPr>
+            <a:cxnSpLocks/>
+          </p:cNvCxnSpPr>
+          <p:nvPr/>
+        </p:nvCxnSpPr>
+        <p:spPr>
+          <a:xfrm>
+            <a:off x="6998931" y="3301200"/>
+            <a:ext cx="0" cy="2300139"/>
+          </a:xfrm>
+          <a:prstGeom prst="line">
+            <a:avLst/>
+          </a:prstGeom>
+        </p:spPr>
+        <p:style>
+          <a:lnRef idx="1">
+            <a:schemeClr val="accent1"/>
+          </a:lnRef>
+          <a:fillRef idx="0">
+            <a:schemeClr val="accent1"/>
+          </a:fillRef>
+          <a:effectRef idx="0">
+            <a:schemeClr val="accent1"/>
+          </a:effectRef>
+          <a:fontRef idx="minor">
+            <a:schemeClr val="tx1"/>
+          </a:fontRef>
+        </p:style>
+      </p:cxnSp>
+      <p:cxnSp>
+        <p:nvCxnSpPr>
+          <p:cNvPr id="15" name="Straight Connector 14">
+            <a:extLst>
+              <a:ext uri="{FF2B5EF4-FFF2-40B4-BE49-F238E27FC236}">
+                <a16:creationId xmlns:a16="http://schemas.microsoft.com/office/drawing/2014/main" id="{F08446A3-158E-4205-AE86-985497425C9F}"/>
+              </a:ext>
+            </a:extLst>
+          </p:cNvPr>
+          <p:cNvCxnSpPr>
+            <a:cxnSpLocks/>
+          </p:cNvCxnSpPr>
+          <p:nvPr/>
+        </p:nvCxnSpPr>
+        <p:spPr>
+          <a:xfrm>
+            <a:off x="6774696" y="2836306"/>
+            <a:ext cx="0" cy="2765033"/>
+          </a:xfrm>
+          <a:prstGeom prst="line">
+            <a:avLst/>
+          </a:prstGeom>
+        </p:spPr>
+        <p:style>
+          <a:lnRef idx="1">
+            <a:schemeClr val="accent1"/>
+          </a:lnRef>
+          <a:fillRef idx="0">
+            <a:schemeClr val="accent1"/>
+          </a:fillRef>
+          <a:effectRef idx="0">
+            <a:schemeClr val="accent1"/>
+          </a:effectRef>
+          <a:fontRef idx="minor">
+            <a:schemeClr val="tx1"/>
+          </a:fontRef>
+        </p:style>
+      </p:cxnSp>
+    </p:spTree>
+    <p:extLst>
+      <p:ext uri="{BB962C8B-B14F-4D97-AF65-F5344CB8AC3E}">
+        <p14:creationId xmlns:p14="http://schemas.microsoft.com/office/powerpoint/2010/main" val="3196816484"/>
+      </p:ext>
+    </p:extLst>
+  </p:cSld>
+  <p:clrMapOvr>
+    <a:masterClrMapping/>
+  </p:clrMapOvr>
+</p:sld>
+</file>
+
+<file path=ppt/slides/slide4.xml><?xml version="1.0" encoding="utf-8"?>
+<p:sld xmlns:a="http://schemas.openxmlformats.org/drawingml/2006/main" xmlns:r="http://schemas.openxmlformats.org/officeDocument/2006/relationships" xmlns:p="http://schemas.openxmlformats.org/presentationml/2006/main">
+  <p:cSld>
+    <p:spTree>
+      <p:nvGrpSpPr>
+        <p:cNvPr id="1" name=""/>
+        <p:cNvGrpSpPr/>
+        <p:nvPr/>
+      </p:nvGrpSpPr>
+      <p:grpSpPr>
+        <a:xfrm>
+          <a:off x="0" y="0"/>
+          <a:ext cx="0" cy="0"/>
+          <a:chOff x="0" y="0"/>
+          <a:chExt cx="0" cy="0"/>
+        </a:xfrm>
+      </p:grpSpPr>
+      <p:sp>
+        <p:nvSpPr>
+          <p:cNvPr id="14" name="Rectangle 13">
+            <a:extLst>
+              <a:ext uri="{FF2B5EF4-FFF2-40B4-BE49-F238E27FC236}">
+                <a16:creationId xmlns:a16="http://schemas.microsoft.com/office/drawing/2014/main" id="{B1FDEF3E-1872-41D3-A841-FBE14801F476}"/>
+              </a:ext>
+            </a:extLst>
+          </p:cNvPr>
+          <p:cNvSpPr/>
+          <p:nvPr/>
+        </p:nvSpPr>
+        <p:spPr>
+          <a:xfrm>
+            <a:off x="942833" y="0"/>
             <a:ext cx="11242960" cy="1384995"/>
           </a:xfrm>
           <a:prstGeom prst="rect">
@@ -6199,7 +7342,7 @@
                 </a:solidFill>
                 <a:latin typeface="Arial Nova Light" panose="020B0304020202020204" pitchFamily="34" charset="0"/>
               </a:rPr>
-              <a:t>NOT recover as fast</a:t>
+              <a:t>NOT recover as well</a:t>
             </a:r>
             <a:r>
               <a:rPr lang="en-GB" sz="2800">
@@ -6238,7 +7381,7 @@
           <a:p>
             <a:fld id="{44F922D5-DBBB-4193-BE70-B740CC9842E5}" type="slidenum">
               <a:rPr lang="en-GB" smtClean="0"/>
-              <a:t>3</a:t>
+              <a:t>4</a:t>
             </a:fld>
             <a:endParaRPr lang="en-GB"/>
           </a:p>
@@ -6505,6 +7648,341 @@
     <p:extLst>
       <p:ext uri="{BB962C8B-B14F-4D97-AF65-F5344CB8AC3E}">
         <p14:creationId xmlns:p14="http://schemas.microsoft.com/office/powerpoint/2010/main" val="353711565"/>
+      </p:ext>
+    </p:extLst>
+  </p:cSld>
+  <p:clrMapOvr>
+    <a:masterClrMapping/>
+  </p:clrMapOvr>
+</p:sld>
+</file>
+
+<file path=ppt/slides/slide5.xml><?xml version="1.0" encoding="utf-8"?>
+<p:sld xmlns:a="http://schemas.openxmlformats.org/drawingml/2006/main" xmlns:r="http://schemas.openxmlformats.org/officeDocument/2006/relationships" xmlns:p="http://schemas.openxmlformats.org/presentationml/2006/main">
+  <p:cSld>
+    <p:spTree>
+      <p:nvGrpSpPr>
+        <p:cNvPr id="1" name=""/>
+        <p:cNvGrpSpPr/>
+        <p:nvPr/>
+      </p:nvGrpSpPr>
+      <p:grpSpPr>
+        <a:xfrm>
+          <a:off x="0" y="0"/>
+          <a:ext cx="0" cy="0"/>
+          <a:chOff x="0" y="0"/>
+          <a:chExt cx="0" cy="0"/>
+        </a:xfrm>
+      </p:grpSpPr>
+      <p:sp>
+        <p:nvSpPr>
+          <p:cNvPr id="2" name="Slide Number Placeholder 1">
+            <a:extLst>
+              <a:ext uri="{FF2B5EF4-FFF2-40B4-BE49-F238E27FC236}">
+                <a16:creationId xmlns:a16="http://schemas.microsoft.com/office/drawing/2014/main" id="{FF8B1EDC-6C77-4197-B6C2-2D602679E956}"/>
+              </a:ext>
+            </a:extLst>
+          </p:cNvPr>
+          <p:cNvSpPr>
+            <a:spLocks noGrp="1"/>
+          </p:cNvSpPr>
+          <p:nvPr>
+            <p:ph type="sldNum" sz="quarter" idx="12"/>
+          </p:nvPr>
+        </p:nvSpPr>
+        <p:spPr/>
+        <p:txBody>
+          <a:bodyPr/>
+          <a:lstStyle/>
+          <a:p>
+            <a:fld id="{44F922D5-DBBB-4193-BE70-B740CC9842E5}" type="slidenum">
+              <a:rPr lang="en-GB" smtClean="0"/>
+              <a:t>5</a:t>
+            </a:fld>
+            <a:endParaRPr lang="en-GB"/>
+          </a:p>
+        </p:txBody>
+      </p:sp>
+      <p:pic>
+        <p:nvPicPr>
+          <p:cNvPr id="11" name="Picture 10">
+            <a:extLst>
+              <a:ext uri="{FF2B5EF4-FFF2-40B4-BE49-F238E27FC236}">
+                <a16:creationId xmlns:a16="http://schemas.microsoft.com/office/drawing/2014/main" id="{08204BCB-BA1D-407C-A305-4B6881B49E5B}"/>
+              </a:ext>
+            </a:extLst>
+          </p:cNvPr>
+          <p:cNvPicPr>
+            <a:picLocks noChangeAspect="1"/>
+          </p:cNvPicPr>
+          <p:nvPr/>
+        </p:nvPicPr>
+        <p:blipFill>
+          <a:blip r:embed="rId3"/>
+          <a:stretch>
+            <a:fillRect/>
+          </a:stretch>
+        </p:blipFill>
+        <p:spPr>
+          <a:xfrm>
+            <a:off x="1041011" y="1101886"/>
+            <a:ext cx="6563641" cy="5163271"/>
+          </a:xfrm>
+          <a:prstGeom prst="rect">
+            <a:avLst/>
+          </a:prstGeom>
+        </p:spPr>
+      </p:pic>
+      <p:pic>
+        <p:nvPicPr>
+          <p:cNvPr id="3" name="Picture 2">
+            <a:extLst>
+              <a:ext uri="{FF2B5EF4-FFF2-40B4-BE49-F238E27FC236}">
+                <a16:creationId xmlns:a16="http://schemas.microsoft.com/office/drawing/2014/main" id="{EFA7E75E-9CDD-4238-A96A-04E7E5EEAC84}"/>
+              </a:ext>
+            </a:extLst>
+          </p:cNvPr>
+          <p:cNvPicPr>
+            <a:picLocks noChangeAspect="1"/>
+          </p:cNvPicPr>
+          <p:nvPr/>
+        </p:nvPicPr>
+        <p:blipFill>
+          <a:blip r:embed="rId4"/>
+          <a:stretch>
+            <a:fillRect/>
+          </a:stretch>
+        </p:blipFill>
+        <p:spPr>
+          <a:xfrm>
+            <a:off x="8346029" y="2163591"/>
+            <a:ext cx="3753374" cy="2457793"/>
+          </a:xfrm>
+          <a:prstGeom prst="rect">
+            <a:avLst/>
+          </a:prstGeom>
+        </p:spPr>
+      </p:pic>
+      <p:cxnSp>
+        <p:nvCxnSpPr>
+          <p:cNvPr id="7" name="Straight Arrow Connector 6">
+            <a:extLst>
+              <a:ext uri="{FF2B5EF4-FFF2-40B4-BE49-F238E27FC236}">
+                <a16:creationId xmlns:a16="http://schemas.microsoft.com/office/drawing/2014/main" id="{CB5476B5-EA88-491B-9037-FBCE208832C5}"/>
+              </a:ext>
+            </a:extLst>
+          </p:cNvPr>
+          <p:cNvCxnSpPr/>
+          <p:nvPr/>
+        </p:nvCxnSpPr>
+        <p:spPr>
+          <a:xfrm flipV="1">
+            <a:off x="7635712" y="4694575"/>
+            <a:ext cx="1036948" cy="575036"/>
+          </a:xfrm>
+          <a:prstGeom prst="straightConnector1">
+            <a:avLst/>
+          </a:prstGeom>
+          <a:ln w="44450">
+            <a:solidFill>
+              <a:schemeClr val="bg1"/>
+            </a:solidFill>
+            <a:headEnd type="triangle"/>
+            <a:tailEnd type="triangle"/>
+          </a:ln>
+        </p:spPr>
+        <p:style>
+          <a:lnRef idx="1">
+            <a:schemeClr val="accent1"/>
+          </a:lnRef>
+          <a:fillRef idx="0">
+            <a:schemeClr val="accent1"/>
+          </a:fillRef>
+          <a:effectRef idx="0">
+            <a:schemeClr val="accent1"/>
+          </a:effectRef>
+          <a:fontRef idx="minor">
+            <a:schemeClr val="tx1"/>
+          </a:fontRef>
+        </p:style>
+      </p:cxnSp>
+      <p:sp>
+        <p:nvSpPr>
+          <p:cNvPr id="16" name="Rectangle 15">
+            <a:extLst>
+              <a:ext uri="{FF2B5EF4-FFF2-40B4-BE49-F238E27FC236}">
+                <a16:creationId xmlns:a16="http://schemas.microsoft.com/office/drawing/2014/main" id="{D8F15F6A-9D64-4EF9-BACE-A5142007C602}"/>
+              </a:ext>
+            </a:extLst>
+          </p:cNvPr>
+          <p:cNvSpPr/>
+          <p:nvPr/>
+        </p:nvSpPr>
+        <p:spPr>
+          <a:xfrm>
+            <a:off x="942833" y="6427113"/>
+            <a:ext cx="10730611" cy="430887"/>
+          </a:xfrm>
+          <a:prstGeom prst="rect">
+            <a:avLst/>
+          </a:prstGeom>
+        </p:spPr>
+        <p:txBody>
+          <a:bodyPr wrap="square">
+            <a:spAutoFit/>
+          </a:bodyPr>
+          <a:lstStyle/>
+          <a:p>
+            <a:r>
+              <a:rPr lang="en-GB" sz="1100">
+                <a:solidFill>
+                  <a:schemeClr val="bg1">
+                    <a:lumMod val="95000"/>
+                  </a:schemeClr>
+                </a:solidFill>
+                <a:latin typeface="Arial Nova Light" panose="020B0304020202020204" pitchFamily="34" charset="0"/>
+              </a:rPr>
+              <a:t>J. Bonilla-</a:t>
+            </a:r>
+            <a:r>
+              <a:rPr lang="en-GB" sz="1100" err="1">
+                <a:solidFill>
+                  <a:schemeClr val="bg1">
+                    <a:lumMod val="95000"/>
+                  </a:schemeClr>
+                </a:solidFill>
+                <a:latin typeface="Arial Nova Light" panose="020B0304020202020204" pitchFamily="34" charset="0"/>
+              </a:rPr>
+              <a:t>rios</a:t>
+            </a:r>
+            <a:r>
+              <a:rPr lang="en-GB" sz="1100">
+                <a:solidFill>
+                  <a:schemeClr val="bg1">
+                    <a:lumMod val="95000"/>
+                  </a:schemeClr>
+                </a:solidFill>
+                <a:latin typeface="Arial Nova Light" panose="020B0304020202020204" pitchFamily="34" charset="0"/>
+              </a:rPr>
+              <a:t>, R. Darby, J. M. Sosa, A STOCHASTIC MODEL FOR THE PREDICTION OF THE MOLECULAR WEIGHT DISTRIBUTION OF (CONTROLLED RHEOLOGY) PEROXIDE DEGRADED POLYPROPYLENE, in: ANTEC 95, Annual Technical Conference of the Society of Plastics Engineers, 1995: pp. 1630–1634.</a:t>
+            </a:r>
+          </a:p>
+        </p:txBody>
+      </p:sp>
+      <p:sp>
+        <p:nvSpPr>
+          <p:cNvPr id="17" name="Rectangle 16">
+            <a:extLst>
+              <a:ext uri="{FF2B5EF4-FFF2-40B4-BE49-F238E27FC236}">
+                <a16:creationId xmlns:a16="http://schemas.microsoft.com/office/drawing/2014/main" id="{2A47780B-1CD3-416A-9915-705D1818AF93}"/>
+              </a:ext>
+            </a:extLst>
+          </p:cNvPr>
+          <p:cNvSpPr/>
+          <p:nvPr/>
+        </p:nvSpPr>
+        <p:spPr>
+          <a:xfrm>
+            <a:off x="949040" y="0"/>
+            <a:ext cx="11242960" cy="954107"/>
+          </a:xfrm>
+          <a:prstGeom prst="rect">
+            <a:avLst/>
+          </a:prstGeom>
+        </p:spPr>
+        <p:txBody>
+          <a:bodyPr wrap="square">
+            <a:spAutoFit/>
+          </a:bodyPr>
+          <a:lstStyle/>
+          <a:p>
+            <a:r>
+              <a:rPr lang="en-GB" sz="2800">
+                <a:solidFill>
+                  <a:schemeClr val="bg1">
+                    <a:lumMod val="95000"/>
+                  </a:schemeClr>
+                </a:solidFill>
+                <a:latin typeface="Arial Nova Light" panose="020B0304020202020204" pitchFamily="34" charset="0"/>
+              </a:rPr>
+              <a:t>The model to calculate the </a:t>
+            </a:r>
+            <a:r>
+              <a:rPr lang="en-GB" sz="2800" b="1">
+                <a:solidFill>
+                  <a:schemeClr val="accent4"/>
+                </a:solidFill>
+                <a:latin typeface="Arial Nova Light" panose="020B0304020202020204" pitchFamily="34" charset="0"/>
+              </a:rPr>
+              <a:t>amount of peroxide</a:t>
+            </a:r>
+            <a:r>
+              <a:rPr lang="en-GB" sz="2800">
+                <a:solidFill>
+                  <a:schemeClr val="bg1">
+                    <a:lumMod val="95000"/>
+                  </a:schemeClr>
+                </a:solidFill>
+                <a:latin typeface="Arial Nova Light" panose="020B0304020202020204" pitchFamily="34" charset="0"/>
+              </a:rPr>
+              <a:t> shall include the initial and final values of </a:t>
+            </a:r>
+            <a:r>
+              <a:rPr lang="en-GB" sz="2800" b="1">
+                <a:solidFill>
+                  <a:schemeClr val="accent4"/>
+                </a:solidFill>
+                <a:latin typeface="Arial Nova Light" panose="020B0304020202020204" pitchFamily="34" charset="0"/>
+              </a:rPr>
+              <a:t>Mn, Mw and </a:t>
+            </a:r>
+            <a:r>
+              <a:rPr lang="en-GB" sz="2800" b="1" err="1">
+                <a:solidFill>
+                  <a:schemeClr val="accent4"/>
+                </a:solidFill>
+                <a:latin typeface="Arial Nova Light" panose="020B0304020202020204" pitchFamily="34" charset="0"/>
+              </a:rPr>
+              <a:t>Mz</a:t>
+            </a:r>
+            <a:r>
+              <a:rPr lang="en-GB" sz="2800">
+                <a:solidFill>
+                  <a:schemeClr val="bg1">
+                    <a:lumMod val="95000"/>
+                  </a:schemeClr>
+                </a:solidFill>
+                <a:latin typeface="Arial Nova Light" panose="020B0304020202020204" pitchFamily="34" charset="0"/>
+              </a:rPr>
+              <a:t>, as well as the </a:t>
+            </a:r>
+            <a:r>
+              <a:rPr lang="en-GB" sz="2800" b="1">
+                <a:solidFill>
+                  <a:schemeClr val="accent4"/>
+                </a:solidFill>
+                <a:latin typeface="Arial Nova Light" panose="020B0304020202020204" pitchFamily="34" charset="0"/>
+              </a:rPr>
+              <a:t>peroxide efficiency</a:t>
+            </a:r>
+            <a:r>
+              <a:rPr lang="en-GB" sz="2800">
+                <a:solidFill>
+                  <a:schemeClr val="bg1">
+                    <a:lumMod val="95000"/>
+                  </a:schemeClr>
+                </a:solidFill>
+                <a:latin typeface="Arial Nova Light" panose="020B0304020202020204" pitchFamily="34" charset="0"/>
+              </a:rPr>
+              <a:t>. </a:t>
+            </a:r>
+          </a:p>
+        </p:txBody>
+      </p:sp>
+    </p:spTree>
+    <p:extLst>
+      <p:ext uri="{BB962C8B-B14F-4D97-AF65-F5344CB8AC3E}">
+        <p14:creationId xmlns:p14="http://schemas.microsoft.com/office/powerpoint/2010/main" val="2619603012"/>
       </p:ext>
     </p:extLst>
   </p:cSld>
